--- a/Figure-4-7/Figure47/Figure47_blog.pptx
+++ b/Figure-4-7/Figure47/Figure47_blog.pptx
@@ -529,6 +529,180 @@
             <a:r>
               <a:rPr/>
               <a:t>Subtitle:</a:t>
+            </a:r>
+            <a:r>
+              <a:rPr/>
+              <a:t> </a:t>
+            </a:r>
+            <a:r>
+              <a:rPr/>
+              <a:t>Value</a:t>
+            </a:r>
+            <a:r>
+              <a:rPr/>
+              <a:t> </a:t>
+            </a:r>
+            <a:r>
+              <a:rPr/>
+              <a:t>of</a:t>
+            </a:r>
+            <a:r>
+              <a:rPr/>
+              <a:t> </a:t>
+            </a:r>
+            <a:r>
+              <a:rPr/>
+              <a:t>pre-tax</a:t>
+            </a:r>
+            <a:r>
+              <a:rPr/>
+              <a:t> </a:t>
+            </a:r>
+            <a:r>
+              <a:rPr/>
+              <a:t>voluntary</a:t>
+            </a:r>
+            <a:r>
+              <a:rPr/>
+              <a:t> </a:t>
+            </a:r>
+            <a:r>
+              <a:rPr/>
+              <a:t>contributions</a:t>
+            </a:r>
+            <a:r>
+              <a:rPr/>
+              <a:t> </a:t>
+            </a:r>
+            <a:r>
+              <a:rPr/>
+              <a:t>to</a:t>
+            </a:r>
+            <a:r>
+              <a:rPr/>
+              <a:t> </a:t>
+            </a:r>
+            <a:r>
+              <a:rPr/>
+              <a:t>superannuation</a:t>
+            </a:r>
+            <a:r>
+              <a:rPr/>
+              <a:t> </a:t>
+            </a:r>
+            <a:r>
+              <a:rPr/>
+              <a:t>in</a:t>
+            </a:r>
+            <a:r>
+              <a:rPr/>
+              <a:t> </a:t>
+            </a:r>
+            <a:r>
+              <a:rPr/>
+              <a:t>excess</a:t>
+            </a:r>
+            <a:r>
+              <a:rPr/>
+              <a:t> </a:t>
+            </a:r>
+            <a:r>
+              <a:rPr/>
+              <a:t>of</a:t>
+            </a:r>
+            <a:r>
+              <a:rPr/>
+              <a:t> </a:t>
+            </a:r>
+            <a:r>
+              <a:rPr/>
+              <a:t>$11,000</a:t>
+            </a:r>
+            <a:r>
+              <a:rPr/>
+              <a:t> </a:t>
+            </a:r>
+            <a:r>
+              <a:rPr/>
+              <a:t>in</a:t>
+            </a:r>
+            <a:r>
+              <a:rPr/>
+              <a:t> </a:t>
+            </a:r>
+            <a:r>
+              <a:rPr/>
+              <a:t>a</a:t>
+            </a:r>
+            <a:r>
+              <a:rPr/>
+              <a:t> </a:t>
+            </a:r>
+            <a:r>
+              <a:rPr/>
+              <a:t>year,</a:t>
+            </a:r>
+            <a:r>
+              <a:rPr/>
+              <a:t> </a:t>
+            </a:r>
+            <a:r>
+              <a:rPr/>
+              <a:t>2020-21</a:t>
+            </a:r>
+          </a:p>
+          <a:p>
+            <a:pPr lvl="0" marL="0" indent="0">
+              <a:buNone/>
+            </a:pPr>
+          </a:p>
+          <a:p>
+            <a:pPr lvl="0" marL="0" indent="0">
+              <a:buNone/>
+            </a:pPr>
+            <a:r>
+              <a:rPr/>
+              <a:t>Source:</a:t>
+            </a:r>
+            <a:r>
+              <a:rPr/>
+              <a:t> </a:t>
+            </a:r>
+            <a:r>
+              <a:rPr/>
+              <a:t>ATO</a:t>
+            </a:r>
+            <a:r>
+              <a:rPr/>
+              <a:t> </a:t>
+            </a:r>
+            <a:r>
+              <a:rPr/>
+              <a:t>2017-18</a:t>
+            </a:r>
+            <a:r>
+              <a:rPr/>
+              <a:t> </a:t>
+            </a:r>
+            <a:r>
+              <a:rPr/>
+              <a:t>2%</a:t>
+            </a:r>
+            <a:r>
+              <a:rPr/>
+              <a:t> </a:t>
+            </a:r>
+            <a:r>
+              <a:rPr/>
+              <a:t>sample</a:t>
+            </a:r>
+            <a:r>
+              <a:rPr/>
+              <a:t> </a:t>
+            </a:r>
+            <a:r>
+              <a:rPr/>
+              <a:t>file</a:t>
             </a:r>
           </a:p>
           <a:p>
@@ -3937,7 +4111,7 @@
           <a:p>
             <a:r>
               <a:rPr/>
-              <a:t> </a:t>
+              <a:t/>
             </a:r>
           </a:p>
         </p:txBody>
@@ -3964,7 +4138,8 @@
           <a:p>
             <a:r>
               <a:rPr/>
-              <a:t> </a:t>
+              <a:t>Value of pre-tax voluntary contributions to superannuation in excess of
+$11,000 in a year, 2020-21</a:t>
             </a:r>
           </a:p>
         </p:txBody>
@@ -4026,8 +4201,8 @@
           </p:nvSpPr>
           <p:spPr>
             <a:xfrm>
-              <a:off x="1842314" y="1231200"/>
-              <a:ext cx="5444970" cy="5536800"/>
+              <a:off x="1995967" y="1231200"/>
+              <a:ext cx="5137664" cy="5536800"/>
             </a:xfrm>
             <a:prstGeom prst="rect">
               <a:avLst/>
@@ -4052,8 +4227,8 @@
           </p:nvSpPr>
           <p:spPr>
             <a:xfrm>
-              <a:off x="1901079" y="1322639"/>
-              <a:ext cx="5276477" cy="5276477"/>
+              <a:off x="2054733" y="1322639"/>
+              <a:ext cx="4969170" cy="4969170"/>
             </a:xfrm>
             <a:prstGeom prst="rect">
               <a:avLst/>
@@ -4078,222 +4253,222 @@
           </p:nvSpPr>
           <p:spPr>
             <a:xfrm>
-              <a:off x="4539318" y="1850287"/>
-              <a:ext cx="887437" cy="2110591"/>
+              <a:off x="4539318" y="1819557"/>
+              <a:ext cx="835752" cy="1987668"/>
             </a:xfrm>
             <a:custGeom>
               <a:avLst/>
               <a:pathLst>
-                <a:path w="887437" h="2110591">
+                <a:path w="835752" h="1987668">
                   <a:moveTo>
-                    <a:pt x="0" y="2110591"/>
+                    <a:pt x="0" y="1987668"/>
                   </a:moveTo>
                   <a:lnTo>
-                    <a:pt x="30601" y="2044558"/>
-                  </a:lnTo>
-                  <a:lnTo>
-                    <a:pt x="61202" y="1978525"/>
-                  </a:lnTo>
-                  <a:lnTo>
-                    <a:pt x="91803" y="1912492"/>
-                  </a:lnTo>
-                  <a:lnTo>
-                    <a:pt x="122405" y="1846459"/>
-                  </a:lnTo>
-                  <a:lnTo>
-                    <a:pt x="153006" y="1780426"/>
-                  </a:lnTo>
-                  <a:lnTo>
-                    <a:pt x="183607" y="1714393"/>
-                  </a:lnTo>
-                  <a:lnTo>
-                    <a:pt x="214209" y="1648360"/>
-                  </a:lnTo>
-                  <a:lnTo>
-                    <a:pt x="244810" y="1582327"/>
-                  </a:lnTo>
-                  <a:lnTo>
-                    <a:pt x="275411" y="1516294"/>
-                  </a:lnTo>
-                  <a:lnTo>
-                    <a:pt x="306012" y="1450262"/>
-                  </a:lnTo>
-                  <a:lnTo>
-                    <a:pt x="336614" y="1384229"/>
-                  </a:lnTo>
-                  <a:lnTo>
-                    <a:pt x="367215" y="1318196"/>
-                  </a:lnTo>
-                  <a:lnTo>
-                    <a:pt x="397816" y="1252163"/>
-                  </a:lnTo>
-                  <a:lnTo>
-                    <a:pt x="428418" y="1186130"/>
-                  </a:lnTo>
-                  <a:lnTo>
-                    <a:pt x="459019" y="1120097"/>
-                  </a:lnTo>
-                  <a:lnTo>
-                    <a:pt x="489620" y="1054064"/>
-                  </a:lnTo>
-                  <a:lnTo>
-                    <a:pt x="520221" y="988031"/>
-                  </a:lnTo>
-                  <a:lnTo>
-                    <a:pt x="550823" y="921998"/>
-                  </a:lnTo>
-                  <a:lnTo>
-                    <a:pt x="581424" y="855965"/>
-                  </a:lnTo>
-                  <a:lnTo>
-                    <a:pt x="612025" y="789933"/>
-                  </a:lnTo>
-                  <a:lnTo>
-                    <a:pt x="642627" y="723900"/>
-                  </a:lnTo>
-                  <a:lnTo>
-                    <a:pt x="673228" y="657867"/>
-                  </a:lnTo>
-                  <a:lnTo>
-                    <a:pt x="703829" y="591834"/>
-                  </a:lnTo>
-                  <a:lnTo>
-                    <a:pt x="734430" y="525801"/>
-                  </a:lnTo>
-                  <a:lnTo>
-                    <a:pt x="765032" y="459768"/>
-                  </a:lnTo>
-                  <a:lnTo>
-                    <a:pt x="795633" y="393735"/>
-                  </a:lnTo>
-                  <a:lnTo>
-                    <a:pt x="826234" y="327702"/>
-                  </a:lnTo>
-                  <a:lnTo>
-                    <a:pt x="856836" y="261669"/>
-                  </a:lnTo>
-                  <a:lnTo>
-                    <a:pt x="887437" y="195636"/>
-                  </a:lnTo>
-                  <a:lnTo>
-                    <a:pt x="817620" y="164803"/>
-                  </a:lnTo>
-                  <a:lnTo>
-                    <a:pt x="746735" y="136513"/>
-                  </a:lnTo>
-                  <a:lnTo>
-                    <a:pt x="674872" y="110805"/>
-                  </a:lnTo>
-                  <a:lnTo>
-                    <a:pt x="602128" y="87712"/>
-                  </a:lnTo>
-                  <a:lnTo>
-                    <a:pt x="528596" y="67265"/>
-                  </a:lnTo>
-                  <a:lnTo>
-                    <a:pt x="454372" y="49489"/>
-                  </a:lnTo>
-                  <a:lnTo>
-                    <a:pt x="379555" y="34408"/>
-                  </a:lnTo>
-                  <a:lnTo>
-                    <a:pt x="304241" y="22043"/>
-                  </a:lnTo>
-                  <a:lnTo>
-                    <a:pt x="228530" y="12408"/>
-                  </a:lnTo>
-                  <a:lnTo>
-                    <a:pt x="152519" y="5518"/>
-                  </a:lnTo>
-                  <a:lnTo>
-                    <a:pt x="76309" y="1379"/>
+                    <a:pt x="28819" y="1925481"/>
+                  </a:lnTo>
+                  <a:lnTo>
+                    <a:pt x="57638" y="1863294"/>
+                  </a:lnTo>
+                  <a:lnTo>
+                    <a:pt x="86457" y="1801107"/>
+                  </a:lnTo>
+                  <a:lnTo>
+                    <a:pt x="115276" y="1738919"/>
+                  </a:lnTo>
+                  <a:lnTo>
+                    <a:pt x="144095" y="1676732"/>
+                  </a:lnTo>
+                  <a:lnTo>
+                    <a:pt x="172914" y="1614545"/>
+                  </a:lnTo>
+                  <a:lnTo>
+                    <a:pt x="201733" y="1552358"/>
+                  </a:lnTo>
+                  <a:lnTo>
+                    <a:pt x="230552" y="1490171"/>
+                  </a:lnTo>
+                  <a:lnTo>
+                    <a:pt x="259371" y="1427984"/>
+                  </a:lnTo>
+                  <a:lnTo>
+                    <a:pt x="288190" y="1365797"/>
+                  </a:lnTo>
+                  <a:lnTo>
+                    <a:pt x="317009" y="1303610"/>
+                  </a:lnTo>
+                  <a:lnTo>
+                    <a:pt x="345828" y="1241423"/>
+                  </a:lnTo>
+                  <a:lnTo>
+                    <a:pt x="374647" y="1179236"/>
+                  </a:lnTo>
+                  <a:lnTo>
+                    <a:pt x="403466" y="1117049"/>
+                  </a:lnTo>
+                  <a:lnTo>
+                    <a:pt x="432285" y="1054862"/>
+                  </a:lnTo>
+                  <a:lnTo>
+                    <a:pt x="461104" y="992674"/>
+                  </a:lnTo>
+                  <a:lnTo>
+                    <a:pt x="489923" y="930487"/>
+                  </a:lnTo>
+                  <a:lnTo>
+                    <a:pt x="518742" y="868300"/>
+                  </a:lnTo>
+                  <a:lnTo>
+                    <a:pt x="547561" y="806113"/>
+                  </a:lnTo>
+                  <a:lnTo>
+                    <a:pt x="576380" y="743926"/>
+                  </a:lnTo>
+                  <a:lnTo>
+                    <a:pt x="605199" y="681739"/>
+                  </a:lnTo>
+                  <a:lnTo>
+                    <a:pt x="634018" y="619552"/>
+                  </a:lnTo>
+                  <a:lnTo>
+                    <a:pt x="662837" y="557365"/>
+                  </a:lnTo>
+                  <a:lnTo>
+                    <a:pt x="691657" y="495178"/>
+                  </a:lnTo>
+                  <a:lnTo>
+                    <a:pt x="720476" y="432991"/>
+                  </a:lnTo>
+                  <a:lnTo>
+                    <a:pt x="749295" y="370804"/>
+                  </a:lnTo>
+                  <a:lnTo>
+                    <a:pt x="778114" y="308616"/>
+                  </a:lnTo>
+                  <a:lnTo>
+                    <a:pt x="806933" y="246429"/>
+                  </a:lnTo>
+                  <a:lnTo>
+                    <a:pt x="835752" y="184242"/>
+                  </a:lnTo>
+                  <a:lnTo>
+                    <a:pt x="770001" y="155204"/>
+                  </a:lnTo>
+                  <a:lnTo>
+                    <a:pt x="703244" y="128563"/>
+                  </a:lnTo>
+                  <a:lnTo>
+                    <a:pt x="635567" y="104352"/>
+                  </a:lnTo>
+                  <a:lnTo>
+                    <a:pt x="567059" y="82604"/>
+                  </a:lnTo>
+                  <a:lnTo>
+                    <a:pt x="497810" y="63347"/>
+                  </a:lnTo>
+                  <a:lnTo>
+                    <a:pt x="427909" y="46607"/>
+                  </a:lnTo>
+                  <a:lnTo>
+                    <a:pt x="357449" y="32404"/>
+                  </a:lnTo>
+                  <a:lnTo>
+                    <a:pt x="286522" y="20759"/>
+                  </a:lnTo>
+                  <a:lnTo>
+                    <a:pt x="215220" y="11686"/>
+                  </a:lnTo>
+                  <a:lnTo>
+                    <a:pt x="143636" y="5196"/>
+                  </a:lnTo>
+                  <a:lnTo>
+                    <a:pt x="71865" y="1299"/>
                   </a:lnTo>
                   <a:lnTo>
                     <a:pt x="0" y="0"/>
                   </a:lnTo>
                   <a:lnTo>
-                    <a:pt x="0" y="72779"/>
-                  </a:lnTo>
-                  <a:lnTo>
-                    <a:pt x="0" y="145558"/>
-                  </a:lnTo>
-                  <a:lnTo>
-                    <a:pt x="0" y="218337"/>
-                  </a:lnTo>
-                  <a:lnTo>
-                    <a:pt x="0" y="291116"/>
-                  </a:lnTo>
-                  <a:lnTo>
-                    <a:pt x="0" y="363895"/>
-                  </a:lnTo>
-                  <a:lnTo>
-                    <a:pt x="0" y="436674"/>
-                  </a:lnTo>
-                  <a:lnTo>
-                    <a:pt x="0" y="509453"/>
-                  </a:lnTo>
-                  <a:lnTo>
-                    <a:pt x="0" y="582232"/>
-                  </a:lnTo>
-                  <a:lnTo>
-                    <a:pt x="0" y="655011"/>
-                  </a:lnTo>
-                  <a:lnTo>
-                    <a:pt x="0" y="727790"/>
-                  </a:lnTo>
-                  <a:lnTo>
-                    <a:pt x="0" y="800569"/>
-                  </a:lnTo>
-                  <a:lnTo>
-                    <a:pt x="0" y="873348"/>
-                  </a:lnTo>
-                  <a:lnTo>
-                    <a:pt x="0" y="946127"/>
-                  </a:lnTo>
-                  <a:lnTo>
-                    <a:pt x="0" y="1018906"/>
-                  </a:lnTo>
-                  <a:lnTo>
-                    <a:pt x="0" y="1091685"/>
-                  </a:lnTo>
-                  <a:lnTo>
-                    <a:pt x="0" y="1164464"/>
-                  </a:lnTo>
-                  <a:lnTo>
-                    <a:pt x="0" y="1237243"/>
-                  </a:lnTo>
-                  <a:lnTo>
-                    <a:pt x="0" y="1310022"/>
-                  </a:lnTo>
-                  <a:lnTo>
-                    <a:pt x="0" y="1382801"/>
-                  </a:lnTo>
-                  <a:lnTo>
-                    <a:pt x="0" y="1455580"/>
-                  </a:lnTo>
-                  <a:lnTo>
-                    <a:pt x="0" y="1528359"/>
-                  </a:lnTo>
-                  <a:lnTo>
-                    <a:pt x="0" y="1601138"/>
-                  </a:lnTo>
-                  <a:lnTo>
-                    <a:pt x="0" y="1673917"/>
-                  </a:lnTo>
-                  <a:lnTo>
-                    <a:pt x="0" y="1746696"/>
-                  </a:lnTo>
-                  <a:lnTo>
-                    <a:pt x="0" y="1819475"/>
-                  </a:lnTo>
-                  <a:lnTo>
-                    <a:pt x="0" y="1892254"/>
-                  </a:lnTo>
-                  <a:lnTo>
-                    <a:pt x="0" y="1965033"/>
-                  </a:lnTo>
-                  <a:lnTo>
-                    <a:pt x="0" y="2037812"/>
+                    <a:pt x="0" y="68540"/>
+                  </a:lnTo>
+                  <a:lnTo>
+                    <a:pt x="0" y="137080"/>
+                  </a:lnTo>
+                  <a:lnTo>
+                    <a:pt x="0" y="205620"/>
+                  </a:lnTo>
+                  <a:lnTo>
+                    <a:pt x="0" y="274161"/>
+                  </a:lnTo>
+                  <a:lnTo>
+                    <a:pt x="0" y="342701"/>
+                  </a:lnTo>
+                  <a:lnTo>
+                    <a:pt x="0" y="411241"/>
+                  </a:lnTo>
+                  <a:lnTo>
+                    <a:pt x="0" y="479782"/>
+                  </a:lnTo>
+                  <a:lnTo>
+                    <a:pt x="0" y="548322"/>
+                  </a:lnTo>
+                  <a:lnTo>
+                    <a:pt x="0" y="616862"/>
+                  </a:lnTo>
+                  <a:lnTo>
+                    <a:pt x="0" y="685402"/>
+                  </a:lnTo>
+                  <a:lnTo>
+                    <a:pt x="0" y="753943"/>
+                  </a:lnTo>
+                  <a:lnTo>
+                    <a:pt x="0" y="822483"/>
+                  </a:lnTo>
+                  <a:lnTo>
+                    <a:pt x="0" y="891023"/>
+                  </a:lnTo>
+                  <a:lnTo>
+                    <a:pt x="0" y="959564"/>
+                  </a:lnTo>
+                  <a:lnTo>
+                    <a:pt x="0" y="1028104"/>
+                  </a:lnTo>
+                  <a:lnTo>
+                    <a:pt x="0" y="1096644"/>
+                  </a:lnTo>
+                  <a:lnTo>
+                    <a:pt x="0" y="1165184"/>
+                  </a:lnTo>
+                  <a:lnTo>
+                    <a:pt x="0" y="1233725"/>
+                  </a:lnTo>
+                  <a:lnTo>
+                    <a:pt x="0" y="1302265"/>
+                  </a:lnTo>
+                  <a:lnTo>
+                    <a:pt x="0" y="1370805"/>
+                  </a:lnTo>
+                  <a:lnTo>
+                    <a:pt x="0" y="1439346"/>
+                  </a:lnTo>
+                  <a:lnTo>
+                    <a:pt x="0" y="1507886"/>
+                  </a:lnTo>
+                  <a:lnTo>
+                    <a:pt x="0" y="1576426"/>
+                  </a:lnTo>
+                  <a:lnTo>
+                    <a:pt x="0" y="1644966"/>
+                  </a:lnTo>
+                  <a:lnTo>
+                    <a:pt x="0" y="1713507"/>
+                  </a:lnTo>
+                  <a:lnTo>
+                    <a:pt x="0" y="1782047"/>
+                  </a:lnTo>
+                  <a:lnTo>
+                    <a:pt x="0" y="1850587"/>
+                  </a:lnTo>
+                  <a:lnTo>
+                    <a:pt x="0" y="1919128"/>
                   </a:lnTo>
                   <a:close/>
                 </a:path>
@@ -4328,270 +4503,270 @@
           </p:nvSpPr>
           <p:spPr>
             <a:xfrm>
-              <a:off x="4539318" y="2045924"/>
-              <a:ext cx="2075819" cy="1914954"/>
+              <a:off x="4539318" y="2003799"/>
+              <a:ext cx="1954921" cy="1803425"/>
             </a:xfrm>
             <a:custGeom>
               <a:avLst/>
               <a:pathLst>
-                <a:path w="2075819" h="1914954">
+                <a:path w="1954921" h="1803425">
                   <a:moveTo>
-                    <a:pt x="0" y="1914954"/>
+                    <a:pt x="0" y="1803425"/>
                   </a:moveTo>
                   <a:lnTo>
-                    <a:pt x="71579" y="1901797"/>
-                  </a:lnTo>
-                  <a:lnTo>
-                    <a:pt x="143159" y="1888641"/>
-                  </a:lnTo>
-                  <a:lnTo>
-                    <a:pt x="214739" y="1875485"/>
-                  </a:lnTo>
-                  <a:lnTo>
-                    <a:pt x="286319" y="1862328"/>
-                  </a:lnTo>
-                  <a:lnTo>
-                    <a:pt x="357899" y="1849172"/>
-                  </a:lnTo>
-                  <a:lnTo>
-                    <a:pt x="429479" y="1836016"/>
-                  </a:lnTo>
-                  <a:lnTo>
-                    <a:pt x="501059" y="1822859"/>
-                  </a:lnTo>
-                  <a:lnTo>
-                    <a:pt x="572639" y="1809703"/>
-                  </a:lnTo>
-                  <a:lnTo>
-                    <a:pt x="644219" y="1796547"/>
-                  </a:lnTo>
-                  <a:lnTo>
-                    <a:pt x="715799" y="1783390"/>
-                  </a:lnTo>
-                  <a:lnTo>
-                    <a:pt x="787379" y="1770234"/>
-                  </a:lnTo>
-                  <a:lnTo>
-                    <a:pt x="858959" y="1757078"/>
-                  </a:lnTo>
-                  <a:lnTo>
-                    <a:pt x="930539" y="1743922"/>
-                  </a:lnTo>
-                  <a:lnTo>
-                    <a:pt x="1002119" y="1730765"/>
-                  </a:lnTo>
-                  <a:lnTo>
-                    <a:pt x="1073699" y="1717609"/>
-                  </a:lnTo>
-                  <a:lnTo>
-                    <a:pt x="1145279" y="1704453"/>
-                  </a:lnTo>
-                  <a:lnTo>
-                    <a:pt x="1216859" y="1691296"/>
-                  </a:lnTo>
-                  <a:lnTo>
-                    <a:pt x="1288439" y="1678140"/>
-                  </a:lnTo>
-                  <a:lnTo>
-                    <a:pt x="1360019" y="1664984"/>
-                  </a:lnTo>
-                  <a:lnTo>
-                    <a:pt x="1431599" y="1651827"/>
-                  </a:lnTo>
-                  <a:lnTo>
-                    <a:pt x="1503179" y="1638671"/>
-                  </a:lnTo>
-                  <a:lnTo>
-                    <a:pt x="1574759" y="1625515"/>
-                  </a:lnTo>
-                  <a:lnTo>
-                    <a:pt x="1646339" y="1612358"/>
-                  </a:lnTo>
-                  <a:lnTo>
-                    <a:pt x="1717919" y="1599202"/>
-                  </a:lnTo>
-                  <a:lnTo>
-                    <a:pt x="1789499" y="1586046"/>
-                  </a:lnTo>
-                  <a:lnTo>
-                    <a:pt x="1861079" y="1572889"/>
-                  </a:lnTo>
-                  <a:lnTo>
-                    <a:pt x="1932659" y="1559733"/>
-                  </a:lnTo>
-                  <a:lnTo>
-                    <a:pt x="2004239" y="1546577"/>
-                  </a:lnTo>
-                  <a:lnTo>
-                    <a:pt x="2075819" y="1533420"/>
-                  </a:lnTo>
-                  <a:lnTo>
-                    <a:pt x="2061600" y="1462851"/>
-                  </a:lnTo>
-                  <a:lnTo>
-                    <a:pt x="2044983" y="1392808"/>
-                  </a:lnTo>
-                  <a:lnTo>
-                    <a:pt x="2025987" y="1323372"/>
-                  </a:lnTo>
-                  <a:lnTo>
-                    <a:pt x="2004634" y="1254624"/>
-                  </a:lnTo>
-                  <a:lnTo>
-                    <a:pt x="1980949" y="1186644"/>
-                  </a:lnTo>
-                  <a:lnTo>
-                    <a:pt x="1954959" y="1119512"/>
-                  </a:lnTo>
-                  <a:lnTo>
-                    <a:pt x="1926695" y="1053305"/>
-                  </a:lnTo>
-                  <a:lnTo>
-                    <a:pt x="1896190" y="988100"/>
-                  </a:lnTo>
-                  <a:lnTo>
-                    <a:pt x="1863478" y="923974"/>
-                  </a:lnTo>
-                  <a:lnTo>
-                    <a:pt x="1828599" y="861000"/>
-                  </a:lnTo>
-                  <a:lnTo>
-                    <a:pt x="1791593" y="799253"/>
-                  </a:lnTo>
-                  <a:lnTo>
-                    <a:pt x="1752502" y="738804"/>
-                  </a:lnTo>
-                  <a:lnTo>
-                    <a:pt x="1711373" y="679722"/>
-                  </a:lnTo>
-                  <a:lnTo>
-                    <a:pt x="1668252" y="622078"/>
-                  </a:lnTo>
-                  <a:lnTo>
-                    <a:pt x="1623191" y="565938"/>
-                  </a:lnTo>
-                  <a:lnTo>
-                    <a:pt x="1576242" y="511367"/>
-                  </a:lnTo>
-                  <a:lnTo>
-                    <a:pt x="1527459" y="458430"/>
-                  </a:lnTo>
-                  <a:lnTo>
-                    <a:pt x="1476899" y="407186"/>
-                  </a:lnTo>
-                  <a:lnTo>
-                    <a:pt x="1424621" y="357697"/>
-                  </a:lnTo>
-                  <a:lnTo>
-                    <a:pt x="1370685" y="310019"/>
-                  </a:lnTo>
-                  <a:lnTo>
-                    <a:pt x="1315155" y="264208"/>
-                  </a:lnTo>
-                  <a:lnTo>
-                    <a:pt x="1258095" y="220318"/>
-                  </a:lnTo>
-                  <a:lnTo>
-                    <a:pt x="1199571" y="178399"/>
-                  </a:lnTo>
-                  <a:lnTo>
-                    <a:pt x="1139652" y="138500"/>
-                  </a:lnTo>
-                  <a:lnTo>
-                    <a:pt x="1078407" y="100668"/>
-                  </a:lnTo>
-                  <a:lnTo>
-                    <a:pt x="1015907" y="64947"/>
-                  </a:lnTo>
-                  <a:lnTo>
-                    <a:pt x="952226" y="31377"/>
-                  </a:lnTo>
-                  <a:lnTo>
-                    <a:pt x="887437" y="0"/>
-                  </a:lnTo>
-                  <a:lnTo>
-                    <a:pt x="856836" y="66032"/>
-                  </a:lnTo>
-                  <a:lnTo>
-                    <a:pt x="826234" y="132065"/>
-                  </a:lnTo>
-                  <a:lnTo>
-                    <a:pt x="795633" y="198098"/>
-                  </a:lnTo>
-                  <a:lnTo>
-                    <a:pt x="765032" y="264131"/>
-                  </a:lnTo>
-                  <a:lnTo>
-                    <a:pt x="734430" y="330164"/>
-                  </a:lnTo>
-                  <a:lnTo>
-                    <a:pt x="703829" y="396197"/>
-                  </a:lnTo>
-                  <a:lnTo>
-                    <a:pt x="673228" y="462230"/>
-                  </a:lnTo>
-                  <a:lnTo>
-                    <a:pt x="642627" y="528263"/>
-                  </a:lnTo>
-                  <a:lnTo>
-                    <a:pt x="612025" y="594296"/>
-                  </a:lnTo>
-                  <a:lnTo>
-                    <a:pt x="581424" y="660329"/>
-                  </a:lnTo>
-                  <a:lnTo>
-                    <a:pt x="550823" y="726361"/>
-                  </a:lnTo>
-                  <a:lnTo>
-                    <a:pt x="520221" y="792394"/>
-                  </a:lnTo>
-                  <a:lnTo>
-                    <a:pt x="489620" y="858427"/>
-                  </a:lnTo>
-                  <a:lnTo>
-                    <a:pt x="459019" y="924460"/>
-                  </a:lnTo>
-                  <a:lnTo>
-                    <a:pt x="428418" y="990493"/>
-                  </a:lnTo>
-                  <a:lnTo>
-                    <a:pt x="397816" y="1056526"/>
-                  </a:lnTo>
-                  <a:lnTo>
-                    <a:pt x="367215" y="1122559"/>
-                  </a:lnTo>
-                  <a:lnTo>
-                    <a:pt x="336614" y="1188592"/>
-                  </a:lnTo>
-                  <a:lnTo>
-                    <a:pt x="306012" y="1254625"/>
-                  </a:lnTo>
-                  <a:lnTo>
-                    <a:pt x="275411" y="1320658"/>
-                  </a:lnTo>
-                  <a:lnTo>
-                    <a:pt x="244810" y="1386690"/>
-                  </a:lnTo>
-                  <a:lnTo>
-                    <a:pt x="214209" y="1452723"/>
-                  </a:lnTo>
-                  <a:lnTo>
-                    <a:pt x="183607" y="1518756"/>
-                  </a:lnTo>
-                  <a:lnTo>
-                    <a:pt x="153006" y="1584789"/>
-                  </a:lnTo>
-                  <a:lnTo>
-                    <a:pt x="122405" y="1650822"/>
-                  </a:lnTo>
-                  <a:lnTo>
-                    <a:pt x="91803" y="1716855"/>
-                  </a:lnTo>
-                  <a:lnTo>
-                    <a:pt x="61202" y="1782888"/>
-                  </a:lnTo>
-                  <a:lnTo>
-                    <a:pt x="30601" y="1848921"/>
+                    <a:pt x="67411" y="1791035"/>
+                  </a:lnTo>
+                  <a:lnTo>
+                    <a:pt x="134822" y="1778645"/>
+                  </a:lnTo>
+                  <a:lnTo>
+                    <a:pt x="202233" y="1766255"/>
+                  </a:lnTo>
+                  <a:lnTo>
+                    <a:pt x="269644" y="1753865"/>
+                  </a:lnTo>
+                  <a:lnTo>
+                    <a:pt x="337055" y="1741475"/>
+                  </a:lnTo>
+                  <a:lnTo>
+                    <a:pt x="404466" y="1729084"/>
+                  </a:lnTo>
+                  <a:lnTo>
+                    <a:pt x="471877" y="1716694"/>
+                  </a:lnTo>
+                  <a:lnTo>
+                    <a:pt x="539288" y="1704304"/>
+                  </a:lnTo>
+                  <a:lnTo>
+                    <a:pt x="606699" y="1691914"/>
+                  </a:lnTo>
+                  <a:lnTo>
+                    <a:pt x="674111" y="1679524"/>
+                  </a:lnTo>
+                  <a:lnTo>
+                    <a:pt x="741522" y="1667134"/>
+                  </a:lnTo>
+                  <a:lnTo>
+                    <a:pt x="808933" y="1654744"/>
+                  </a:lnTo>
+                  <a:lnTo>
+                    <a:pt x="876344" y="1642354"/>
+                  </a:lnTo>
+                  <a:lnTo>
+                    <a:pt x="943755" y="1629964"/>
+                  </a:lnTo>
+                  <a:lnTo>
+                    <a:pt x="1011166" y="1617574"/>
+                  </a:lnTo>
+                  <a:lnTo>
+                    <a:pt x="1078577" y="1605184"/>
+                  </a:lnTo>
+                  <a:lnTo>
+                    <a:pt x="1145988" y="1592794"/>
+                  </a:lnTo>
+                  <a:lnTo>
+                    <a:pt x="1213399" y="1580403"/>
+                  </a:lnTo>
+                  <a:lnTo>
+                    <a:pt x="1280810" y="1568013"/>
+                  </a:lnTo>
+                  <a:lnTo>
+                    <a:pt x="1348222" y="1555623"/>
+                  </a:lnTo>
+                  <a:lnTo>
+                    <a:pt x="1415633" y="1543233"/>
+                  </a:lnTo>
+                  <a:lnTo>
+                    <a:pt x="1483044" y="1530843"/>
+                  </a:lnTo>
+                  <a:lnTo>
+                    <a:pt x="1550455" y="1518453"/>
+                  </a:lnTo>
+                  <a:lnTo>
+                    <a:pt x="1617866" y="1506063"/>
+                  </a:lnTo>
+                  <a:lnTo>
+                    <a:pt x="1685277" y="1493673"/>
+                  </a:lnTo>
+                  <a:lnTo>
+                    <a:pt x="1752688" y="1481283"/>
+                  </a:lnTo>
+                  <a:lnTo>
+                    <a:pt x="1820099" y="1468893"/>
+                  </a:lnTo>
+                  <a:lnTo>
+                    <a:pt x="1887510" y="1456503"/>
+                  </a:lnTo>
+                  <a:lnTo>
+                    <a:pt x="1954921" y="1444113"/>
+                  </a:lnTo>
+                  <a:lnTo>
+                    <a:pt x="1941531" y="1377653"/>
+                  </a:lnTo>
+                  <a:lnTo>
+                    <a:pt x="1925881" y="1311689"/>
+                  </a:lnTo>
+                  <a:lnTo>
+                    <a:pt x="1907992" y="1246297"/>
+                  </a:lnTo>
+                  <a:lnTo>
+                    <a:pt x="1887882" y="1181553"/>
+                  </a:lnTo>
+                  <a:lnTo>
+                    <a:pt x="1865576" y="1117533"/>
+                  </a:lnTo>
+                  <a:lnTo>
+                    <a:pt x="1841100" y="1054310"/>
+                  </a:lnTo>
+                  <a:lnTo>
+                    <a:pt x="1814483" y="991959"/>
+                  </a:lnTo>
+                  <a:lnTo>
+                    <a:pt x="1785754" y="930552"/>
+                  </a:lnTo>
+                  <a:lnTo>
+                    <a:pt x="1754948" y="870161"/>
+                  </a:lnTo>
+                  <a:lnTo>
+                    <a:pt x="1722100" y="810855"/>
+                  </a:lnTo>
+                  <a:lnTo>
+                    <a:pt x="1687249" y="752704"/>
+                  </a:lnTo>
+                  <a:lnTo>
+                    <a:pt x="1650435" y="695775"/>
+                  </a:lnTo>
+                  <a:lnTo>
+                    <a:pt x="1611701" y="640135"/>
+                  </a:lnTo>
+                  <a:lnTo>
+                    <a:pt x="1571092" y="585848"/>
+                  </a:lnTo>
+                  <a:lnTo>
+                    <a:pt x="1528655" y="532977"/>
+                  </a:lnTo>
+                  <a:lnTo>
+                    <a:pt x="1484440" y="481585"/>
+                  </a:lnTo>
+                  <a:lnTo>
+                    <a:pt x="1438498" y="431730"/>
+                  </a:lnTo>
+                  <a:lnTo>
+                    <a:pt x="1390883" y="383471"/>
+                  </a:lnTo>
+                  <a:lnTo>
+                    <a:pt x="1341649" y="336864"/>
+                  </a:lnTo>
+                  <a:lnTo>
+                    <a:pt x="1290855" y="291963"/>
+                  </a:lnTo>
+                  <a:lnTo>
+                    <a:pt x="1238559" y="248820"/>
+                  </a:lnTo>
+                  <a:lnTo>
+                    <a:pt x="1184822" y="207486"/>
+                  </a:lnTo>
+                  <a:lnTo>
+                    <a:pt x="1129707" y="168009"/>
+                  </a:lnTo>
+                  <a:lnTo>
+                    <a:pt x="1073278" y="130434"/>
+                  </a:lnTo>
+                  <a:lnTo>
+                    <a:pt x="1015600" y="94805"/>
+                  </a:lnTo>
+                  <a:lnTo>
+                    <a:pt x="956740" y="61164"/>
+                  </a:lnTo>
+                  <a:lnTo>
+                    <a:pt x="896768" y="29550"/>
+                  </a:lnTo>
+                  <a:lnTo>
+                    <a:pt x="835752" y="0"/>
+                  </a:lnTo>
+                  <a:lnTo>
+                    <a:pt x="806933" y="62187"/>
+                  </a:lnTo>
+                  <a:lnTo>
+                    <a:pt x="778114" y="124374"/>
+                  </a:lnTo>
+                  <a:lnTo>
+                    <a:pt x="749295" y="186561"/>
+                  </a:lnTo>
+                  <a:lnTo>
+                    <a:pt x="720476" y="248748"/>
+                  </a:lnTo>
+                  <a:lnTo>
+                    <a:pt x="691657" y="310935"/>
+                  </a:lnTo>
+                  <a:lnTo>
+                    <a:pt x="662837" y="373122"/>
+                  </a:lnTo>
+                  <a:lnTo>
+                    <a:pt x="634018" y="435309"/>
+                  </a:lnTo>
+                  <a:lnTo>
+                    <a:pt x="605199" y="497496"/>
+                  </a:lnTo>
+                  <a:lnTo>
+                    <a:pt x="576380" y="559683"/>
+                  </a:lnTo>
+                  <a:lnTo>
+                    <a:pt x="547561" y="621870"/>
+                  </a:lnTo>
+                  <a:lnTo>
+                    <a:pt x="518742" y="684057"/>
+                  </a:lnTo>
+                  <a:lnTo>
+                    <a:pt x="489923" y="746245"/>
+                  </a:lnTo>
+                  <a:lnTo>
+                    <a:pt x="461104" y="808432"/>
+                  </a:lnTo>
+                  <a:lnTo>
+                    <a:pt x="432285" y="870619"/>
+                  </a:lnTo>
+                  <a:lnTo>
+                    <a:pt x="403466" y="932806"/>
+                  </a:lnTo>
+                  <a:lnTo>
+                    <a:pt x="374647" y="994993"/>
+                  </a:lnTo>
+                  <a:lnTo>
+                    <a:pt x="345828" y="1057180"/>
+                  </a:lnTo>
+                  <a:lnTo>
+                    <a:pt x="317009" y="1119367"/>
+                  </a:lnTo>
+                  <a:lnTo>
+                    <a:pt x="288190" y="1181554"/>
+                  </a:lnTo>
+                  <a:lnTo>
+                    <a:pt x="259371" y="1243741"/>
+                  </a:lnTo>
+                  <a:lnTo>
+                    <a:pt x="230552" y="1305928"/>
+                  </a:lnTo>
+                  <a:lnTo>
+                    <a:pt x="201733" y="1368115"/>
+                  </a:lnTo>
+                  <a:lnTo>
+                    <a:pt x="172914" y="1430302"/>
+                  </a:lnTo>
+                  <a:lnTo>
+                    <a:pt x="144095" y="1492490"/>
+                  </a:lnTo>
+                  <a:lnTo>
+                    <a:pt x="115276" y="1554677"/>
+                  </a:lnTo>
+                  <a:lnTo>
+                    <a:pt x="86457" y="1616864"/>
+                  </a:lnTo>
+                  <a:lnTo>
+                    <a:pt x="57638" y="1679051"/>
+                  </a:lnTo>
+                  <a:lnTo>
+                    <a:pt x="28819" y="1741238"/>
                   </a:lnTo>
                   <a:close/>
                 </a:path>
@@ -4626,327 +4801,327 @@
           </p:nvSpPr>
           <p:spPr>
             <a:xfrm>
-              <a:off x="4539318" y="3579345"/>
-              <a:ext cx="2110469" cy="2470078"/>
+              <a:off x="4539318" y="3447912"/>
+              <a:ext cx="1987554" cy="2326219"/>
             </a:xfrm>
             <a:custGeom>
               <a:avLst/>
               <a:pathLst>
-                <a:path w="2110469" h="2470078">
+                <a:path w="1987554" h="2326219">
                   <a:moveTo>
-                    <a:pt x="0" y="381533"/>
+                    <a:pt x="0" y="359312"/>
                   </a:moveTo>
                   <a:lnTo>
-                    <a:pt x="10491" y="453552"/>
-                  </a:lnTo>
-                  <a:lnTo>
-                    <a:pt x="20983" y="525570"/>
-                  </a:lnTo>
-                  <a:lnTo>
-                    <a:pt x="31474" y="597589"/>
-                  </a:lnTo>
-                  <a:lnTo>
-                    <a:pt x="41966" y="669608"/>
-                  </a:lnTo>
-                  <a:lnTo>
-                    <a:pt x="52458" y="741627"/>
-                  </a:lnTo>
-                  <a:lnTo>
-                    <a:pt x="62949" y="813646"/>
-                  </a:lnTo>
-                  <a:lnTo>
-                    <a:pt x="73441" y="885664"/>
-                  </a:lnTo>
-                  <a:lnTo>
-                    <a:pt x="83932" y="957683"/>
-                  </a:lnTo>
-                  <a:lnTo>
-                    <a:pt x="94424" y="1029702"/>
-                  </a:lnTo>
-                  <a:lnTo>
-                    <a:pt x="104916" y="1101721"/>
-                  </a:lnTo>
-                  <a:lnTo>
-                    <a:pt x="115407" y="1173740"/>
-                  </a:lnTo>
-                  <a:lnTo>
-                    <a:pt x="125899" y="1245758"/>
-                  </a:lnTo>
-                  <a:lnTo>
-                    <a:pt x="136390" y="1317777"/>
-                  </a:lnTo>
-                  <a:lnTo>
-                    <a:pt x="146882" y="1389796"/>
-                  </a:lnTo>
-                  <a:lnTo>
-                    <a:pt x="157374" y="1461815"/>
-                  </a:lnTo>
-                  <a:lnTo>
-                    <a:pt x="167865" y="1533834"/>
-                  </a:lnTo>
-                  <a:lnTo>
-                    <a:pt x="178357" y="1605853"/>
-                  </a:lnTo>
-                  <a:lnTo>
-                    <a:pt x="188849" y="1677871"/>
-                  </a:lnTo>
-                  <a:lnTo>
-                    <a:pt x="199340" y="1749890"/>
-                  </a:lnTo>
-                  <a:lnTo>
-                    <a:pt x="209832" y="1821909"/>
-                  </a:lnTo>
-                  <a:lnTo>
-                    <a:pt x="220323" y="1893928"/>
-                  </a:lnTo>
-                  <a:lnTo>
-                    <a:pt x="230815" y="1965947"/>
-                  </a:lnTo>
-                  <a:lnTo>
-                    <a:pt x="241307" y="2037965"/>
-                  </a:lnTo>
-                  <a:lnTo>
-                    <a:pt x="251798" y="2109984"/>
-                  </a:lnTo>
-                  <a:lnTo>
-                    <a:pt x="262290" y="2182003"/>
-                  </a:lnTo>
-                  <a:lnTo>
-                    <a:pt x="272781" y="2254022"/>
-                  </a:lnTo>
-                  <a:lnTo>
-                    <a:pt x="283273" y="2326041"/>
-                  </a:lnTo>
-                  <a:lnTo>
-                    <a:pt x="293765" y="2398059"/>
-                  </a:lnTo>
-                  <a:lnTo>
-                    <a:pt x="304256" y="2470078"/>
-                  </a:lnTo>
-                  <a:lnTo>
-                    <a:pt x="375515" y="2458449"/>
-                  </a:lnTo>
-                  <a:lnTo>
-                    <a:pt x="446334" y="2444390"/>
-                  </a:lnTo>
-                  <a:lnTo>
-                    <a:pt x="516631" y="2427916"/>
-                  </a:lnTo>
-                  <a:lnTo>
-                    <a:pt x="586324" y="2409048"/>
-                  </a:lnTo>
-                  <a:lnTo>
-                    <a:pt x="655330" y="2387807"/>
-                  </a:lnTo>
-                  <a:lnTo>
-                    <a:pt x="723569" y="2364218"/>
-                  </a:lnTo>
-                  <a:lnTo>
-                    <a:pt x="790962" y="2338309"/>
-                  </a:lnTo>
-                  <a:lnTo>
-                    <a:pt x="857429" y="2310110"/>
-                  </a:lnTo>
-                  <a:lnTo>
-                    <a:pt x="922892" y="2279654"/>
-                  </a:lnTo>
-                  <a:lnTo>
-                    <a:pt x="987276" y="2246977"/>
-                  </a:lnTo>
-                  <a:lnTo>
-                    <a:pt x="1050504" y="2212116"/>
-                  </a:lnTo>
-                  <a:lnTo>
-                    <a:pt x="1112502" y="2175113"/>
-                  </a:lnTo>
-                  <a:lnTo>
-                    <a:pt x="1173199" y="2136012"/>
-                  </a:lnTo>
-                  <a:lnTo>
-                    <a:pt x="1232523" y="2094857"/>
-                  </a:lnTo>
-                  <a:lnTo>
-                    <a:pt x="1290405" y="2051697"/>
-                  </a:lnTo>
-                  <a:lnTo>
-                    <a:pt x="1346776" y="2006583"/>
-                  </a:lnTo>
-                  <a:lnTo>
-                    <a:pt x="1401571" y="1959567"/>
-                  </a:lnTo>
-                  <a:lnTo>
-                    <a:pt x="1454726" y="1910704"/>
-                  </a:lnTo>
-                  <a:lnTo>
-                    <a:pt x="1506179" y="1860052"/>
-                  </a:lnTo>
-                  <a:lnTo>
-                    <a:pt x="1555869" y="1807669"/>
-                  </a:lnTo>
-                  <a:lnTo>
-                    <a:pt x="1603738" y="1753617"/>
-                  </a:lnTo>
-                  <a:lnTo>
-                    <a:pt x="1649731" y="1697960"/>
-                  </a:lnTo>
-                  <a:lnTo>
-                    <a:pt x="1693793" y="1640762"/>
-                  </a:lnTo>
-                  <a:lnTo>
-                    <a:pt x="1735872" y="1582091"/>
-                  </a:lnTo>
-                  <a:lnTo>
-                    <a:pt x="1775921" y="1522014"/>
-                  </a:lnTo>
-                  <a:lnTo>
-                    <a:pt x="1813891" y="1460603"/>
-                  </a:lnTo>
-                  <a:lnTo>
-                    <a:pt x="1849738" y="1397929"/>
-                  </a:lnTo>
-                  <a:lnTo>
-                    <a:pt x="1883421" y="1334066"/>
-                  </a:lnTo>
-                  <a:lnTo>
-                    <a:pt x="1914899" y="1269088"/>
-                  </a:lnTo>
-                  <a:lnTo>
-                    <a:pt x="1944137" y="1203071"/>
-                  </a:lnTo>
-                  <a:lnTo>
-                    <a:pt x="1971099" y="1136093"/>
-                  </a:lnTo>
-                  <a:lnTo>
-                    <a:pt x="1995755" y="1068232"/>
-                  </a:lnTo>
-                  <a:lnTo>
-                    <a:pt x="2018075" y="999567"/>
-                  </a:lnTo>
-                  <a:lnTo>
-                    <a:pt x="2038033" y="930179"/>
-                  </a:lnTo>
-                  <a:lnTo>
-                    <a:pt x="2055607" y="860149"/>
-                  </a:lnTo>
-                  <a:lnTo>
-                    <a:pt x="2070775" y="789559"/>
-                  </a:lnTo>
-                  <a:lnTo>
-                    <a:pt x="2083519" y="718491"/>
-                  </a:lnTo>
-                  <a:lnTo>
-                    <a:pt x="2093825" y="647029"/>
-                  </a:lnTo>
-                  <a:lnTo>
-                    <a:pt x="2101681" y="575257"/>
-                  </a:lnTo>
-                  <a:lnTo>
-                    <a:pt x="2107078" y="503257"/>
-                  </a:lnTo>
-                  <a:lnTo>
-                    <a:pt x="2110008" y="431115"/>
-                  </a:lnTo>
-                  <a:lnTo>
-                    <a:pt x="2110469" y="358915"/>
-                  </a:lnTo>
-                  <a:lnTo>
-                    <a:pt x="2108461" y="286742"/>
-                  </a:lnTo>
-                  <a:lnTo>
-                    <a:pt x="2103985" y="214679"/>
-                  </a:lnTo>
-                  <a:lnTo>
-                    <a:pt x="2097047" y="142812"/>
-                  </a:lnTo>
-                  <a:lnTo>
-                    <a:pt x="2087654" y="71224"/>
-                  </a:lnTo>
-                  <a:lnTo>
-                    <a:pt x="2075819" y="0"/>
-                  </a:lnTo>
-                  <a:lnTo>
-                    <a:pt x="2004239" y="13156"/>
-                  </a:lnTo>
-                  <a:lnTo>
-                    <a:pt x="1932659" y="26312"/>
-                  </a:lnTo>
-                  <a:lnTo>
-                    <a:pt x="1861079" y="39468"/>
-                  </a:lnTo>
-                  <a:lnTo>
-                    <a:pt x="1789499" y="52625"/>
-                  </a:lnTo>
-                  <a:lnTo>
-                    <a:pt x="1717919" y="65781"/>
-                  </a:lnTo>
-                  <a:lnTo>
-                    <a:pt x="1646339" y="78937"/>
-                  </a:lnTo>
-                  <a:lnTo>
-                    <a:pt x="1574759" y="92094"/>
-                  </a:lnTo>
-                  <a:lnTo>
-                    <a:pt x="1503179" y="105250"/>
-                  </a:lnTo>
-                  <a:lnTo>
-                    <a:pt x="1431599" y="118406"/>
-                  </a:lnTo>
-                  <a:lnTo>
-                    <a:pt x="1360019" y="131563"/>
-                  </a:lnTo>
-                  <a:lnTo>
-                    <a:pt x="1288439" y="144719"/>
-                  </a:lnTo>
-                  <a:lnTo>
-                    <a:pt x="1216859" y="157875"/>
-                  </a:lnTo>
-                  <a:lnTo>
-                    <a:pt x="1145279" y="171032"/>
-                  </a:lnTo>
-                  <a:lnTo>
-                    <a:pt x="1073699" y="184188"/>
-                  </a:lnTo>
-                  <a:lnTo>
-                    <a:pt x="1002119" y="197344"/>
-                  </a:lnTo>
-                  <a:lnTo>
-                    <a:pt x="930539" y="210501"/>
-                  </a:lnTo>
-                  <a:lnTo>
-                    <a:pt x="858959" y="223657"/>
-                  </a:lnTo>
-                  <a:lnTo>
-                    <a:pt x="787379" y="236813"/>
-                  </a:lnTo>
-                  <a:lnTo>
-                    <a:pt x="715799" y="249970"/>
-                  </a:lnTo>
-                  <a:lnTo>
-                    <a:pt x="644219" y="263126"/>
-                  </a:lnTo>
-                  <a:lnTo>
-                    <a:pt x="572639" y="276282"/>
-                  </a:lnTo>
-                  <a:lnTo>
-                    <a:pt x="501059" y="289439"/>
-                  </a:lnTo>
-                  <a:lnTo>
-                    <a:pt x="429479" y="302595"/>
-                  </a:lnTo>
-                  <a:lnTo>
-                    <a:pt x="357899" y="315751"/>
-                  </a:lnTo>
-                  <a:lnTo>
-                    <a:pt x="286319" y="328907"/>
-                  </a:lnTo>
-                  <a:lnTo>
-                    <a:pt x="214739" y="342064"/>
-                  </a:lnTo>
-                  <a:lnTo>
-                    <a:pt x="143159" y="355220"/>
-                  </a:lnTo>
-                  <a:lnTo>
-                    <a:pt x="71579" y="368376"/>
+                    <a:pt x="9880" y="427136"/>
+                  </a:lnTo>
+                  <a:lnTo>
+                    <a:pt x="19761" y="494961"/>
+                  </a:lnTo>
+                  <a:lnTo>
+                    <a:pt x="29641" y="562785"/>
+                  </a:lnTo>
+                  <a:lnTo>
+                    <a:pt x="39522" y="630609"/>
+                  </a:lnTo>
+                  <a:lnTo>
+                    <a:pt x="49402" y="698434"/>
+                  </a:lnTo>
+                  <a:lnTo>
+                    <a:pt x="59283" y="766258"/>
+                  </a:lnTo>
+                  <a:lnTo>
+                    <a:pt x="69163" y="834082"/>
+                  </a:lnTo>
+                  <a:lnTo>
+                    <a:pt x="79044" y="901907"/>
+                  </a:lnTo>
+                  <a:lnTo>
+                    <a:pt x="88925" y="969731"/>
+                  </a:lnTo>
+                  <a:lnTo>
+                    <a:pt x="98805" y="1037556"/>
+                  </a:lnTo>
+                  <a:lnTo>
+                    <a:pt x="108686" y="1105380"/>
+                  </a:lnTo>
+                  <a:lnTo>
+                    <a:pt x="118566" y="1173204"/>
+                  </a:lnTo>
+                  <a:lnTo>
+                    <a:pt x="128447" y="1241029"/>
+                  </a:lnTo>
+                  <a:lnTo>
+                    <a:pt x="138327" y="1308853"/>
+                  </a:lnTo>
+                  <a:lnTo>
+                    <a:pt x="148208" y="1376677"/>
+                  </a:lnTo>
+                  <a:lnTo>
+                    <a:pt x="158089" y="1444502"/>
+                  </a:lnTo>
+                  <a:lnTo>
+                    <a:pt x="167969" y="1512326"/>
+                  </a:lnTo>
+                  <a:lnTo>
+                    <a:pt x="177850" y="1580151"/>
+                  </a:lnTo>
+                  <a:lnTo>
+                    <a:pt x="187730" y="1647975"/>
+                  </a:lnTo>
+                  <a:lnTo>
+                    <a:pt x="197611" y="1715799"/>
+                  </a:lnTo>
+                  <a:lnTo>
+                    <a:pt x="207491" y="1783624"/>
+                  </a:lnTo>
+                  <a:lnTo>
+                    <a:pt x="217372" y="1851448"/>
+                  </a:lnTo>
+                  <a:lnTo>
+                    <a:pt x="227253" y="1919272"/>
+                  </a:lnTo>
+                  <a:lnTo>
+                    <a:pt x="237133" y="1987097"/>
+                  </a:lnTo>
+                  <a:lnTo>
+                    <a:pt x="247014" y="2054921"/>
+                  </a:lnTo>
+                  <a:lnTo>
+                    <a:pt x="256894" y="2122746"/>
+                  </a:lnTo>
+                  <a:lnTo>
+                    <a:pt x="266775" y="2190570"/>
+                  </a:lnTo>
+                  <a:lnTo>
+                    <a:pt x="276655" y="2258394"/>
+                  </a:lnTo>
+                  <a:lnTo>
+                    <a:pt x="286536" y="2326219"/>
+                  </a:lnTo>
+                  <a:lnTo>
+                    <a:pt x="353645" y="2315267"/>
+                  </a:lnTo>
+                  <a:lnTo>
+                    <a:pt x="420339" y="2302026"/>
+                  </a:lnTo>
+                  <a:lnTo>
+                    <a:pt x="486542" y="2286512"/>
+                  </a:lnTo>
+                  <a:lnTo>
+                    <a:pt x="552176" y="2268743"/>
+                  </a:lnTo>
+                  <a:lnTo>
+                    <a:pt x="617163" y="2248739"/>
+                  </a:lnTo>
+                  <a:lnTo>
+                    <a:pt x="681428" y="2226524"/>
+                  </a:lnTo>
+                  <a:lnTo>
+                    <a:pt x="744895" y="2202124"/>
+                  </a:lnTo>
+                  <a:lnTo>
+                    <a:pt x="807491" y="2175567"/>
+                  </a:lnTo>
+                  <a:lnTo>
+                    <a:pt x="869142" y="2146885"/>
+                  </a:lnTo>
+                  <a:lnTo>
+                    <a:pt x="929776" y="2116111"/>
+                  </a:lnTo>
+                  <a:lnTo>
+                    <a:pt x="989321" y="2083280"/>
+                  </a:lnTo>
+                  <a:lnTo>
+                    <a:pt x="1047709" y="2048433"/>
+                  </a:lnTo>
+                  <a:lnTo>
+                    <a:pt x="1104871" y="2011609"/>
+                  </a:lnTo>
+                  <a:lnTo>
+                    <a:pt x="1160740" y="1972851"/>
+                  </a:lnTo>
+                  <a:lnTo>
+                    <a:pt x="1215250" y="1932204"/>
+                  </a:lnTo>
+                  <a:lnTo>
+                    <a:pt x="1268338" y="1889718"/>
+                  </a:lnTo>
+                  <a:lnTo>
+                    <a:pt x="1319942" y="1845440"/>
+                  </a:lnTo>
+                  <a:lnTo>
+                    <a:pt x="1370002" y="1799423"/>
+                  </a:lnTo>
+                  <a:lnTo>
+                    <a:pt x="1418458" y="1751720"/>
+                  </a:lnTo>
+                  <a:lnTo>
+                    <a:pt x="1465254" y="1702389"/>
+                  </a:lnTo>
+                  <a:lnTo>
+                    <a:pt x="1510335" y="1651485"/>
+                  </a:lnTo>
+                  <a:lnTo>
+                    <a:pt x="1553649" y="1599069"/>
+                  </a:lnTo>
+                  <a:lnTo>
+                    <a:pt x="1595145" y="1545203"/>
+                  </a:lnTo>
+                  <a:lnTo>
+                    <a:pt x="1634774" y="1489948"/>
+                  </a:lnTo>
+                  <a:lnTo>
+                    <a:pt x="1672489" y="1433371"/>
+                  </a:lnTo>
+                  <a:lnTo>
+                    <a:pt x="1708248" y="1375536"/>
+                  </a:lnTo>
+                  <a:lnTo>
+                    <a:pt x="1742007" y="1316513"/>
+                  </a:lnTo>
+                  <a:lnTo>
+                    <a:pt x="1773728" y="1256369"/>
+                  </a:lnTo>
+                  <a:lnTo>
+                    <a:pt x="1803373" y="1195175"/>
+                  </a:lnTo>
+                  <a:lnTo>
+                    <a:pt x="1830908" y="1133003"/>
+                  </a:lnTo>
+                  <a:lnTo>
+                    <a:pt x="1856300" y="1069926"/>
+                  </a:lnTo>
+                  <a:lnTo>
+                    <a:pt x="1879520" y="1006017"/>
+                  </a:lnTo>
+                  <a:lnTo>
+                    <a:pt x="1900540" y="941352"/>
+                  </a:lnTo>
+                  <a:lnTo>
+                    <a:pt x="1919336" y="876005"/>
+                  </a:lnTo>
+                  <a:lnTo>
+                    <a:pt x="1935886" y="810053"/>
+                  </a:lnTo>
+                  <a:lnTo>
+                    <a:pt x="1950171" y="743574"/>
+                  </a:lnTo>
+                  <a:lnTo>
+                    <a:pt x="1962173" y="676646"/>
+                  </a:lnTo>
+                  <a:lnTo>
+                    <a:pt x="1971879" y="609346"/>
+                  </a:lnTo>
+                  <a:lnTo>
+                    <a:pt x="1979277" y="541753"/>
+                  </a:lnTo>
+                  <a:lnTo>
+                    <a:pt x="1984359" y="473947"/>
+                  </a:lnTo>
+                  <a:lnTo>
+                    <a:pt x="1987119" y="406007"/>
+                  </a:lnTo>
+                  <a:lnTo>
+                    <a:pt x="1987554" y="338012"/>
+                  </a:lnTo>
+                  <a:lnTo>
+                    <a:pt x="1985662" y="270042"/>
+                  </a:lnTo>
+                  <a:lnTo>
+                    <a:pt x="1981447" y="202176"/>
+                  </a:lnTo>
+                  <a:lnTo>
+                    <a:pt x="1974913" y="134495"/>
+                  </a:lnTo>
+                  <a:lnTo>
+                    <a:pt x="1966068" y="67076"/>
+                  </a:lnTo>
+                  <a:lnTo>
+                    <a:pt x="1954921" y="0"/>
+                  </a:lnTo>
+                  <a:lnTo>
+                    <a:pt x="1887510" y="12390"/>
+                  </a:lnTo>
+                  <a:lnTo>
+                    <a:pt x="1820099" y="24780"/>
+                  </a:lnTo>
+                  <a:lnTo>
+                    <a:pt x="1752688" y="37170"/>
+                  </a:lnTo>
+                  <a:lnTo>
+                    <a:pt x="1685277" y="49560"/>
+                  </a:lnTo>
+                  <a:lnTo>
+                    <a:pt x="1617866" y="61950"/>
+                  </a:lnTo>
+                  <a:lnTo>
+                    <a:pt x="1550455" y="74340"/>
+                  </a:lnTo>
+                  <a:lnTo>
+                    <a:pt x="1483044" y="86730"/>
+                  </a:lnTo>
+                  <a:lnTo>
+                    <a:pt x="1415633" y="99120"/>
+                  </a:lnTo>
+                  <a:lnTo>
+                    <a:pt x="1348222" y="111510"/>
+                  </a:lnTo>
+                  <a:lnTo>
+                    <a:pt x="1280810" y="123900"/>
+                  </a:lnTo>
+                  <a:lnTo>
+                    <a:pt x="1213399" y="136290"/>
+                  </a:lnTo>
+                  <a:lnTo>
+                    <a:pt x="1145988" y="148680"/>
+                  </a:lnTo>
+                  <a:lnTo>
+                    <a:pt x="1078577" y="161071"/>
+                  </a:lnTo>
+                  <a:lnTo>
+                    <a:pt x="1011166" y="173461"/>
+                  </a:lnTo>
+                  <a:lnTo>
+                    <a:pt x="943755" y="185851"/>
+                  </a:lnTo>
+                  <a:lnTo>
+                    <a:pt x="876344" y="198241"/>
+                  </a:lnTo>
+                  <a:lnTo>
+                    <a:pt x="808933" y="210631"/>
+                  </a:lnTo>
+                  <a:lnTo>
+                    <a:pt x="741522" y="223021"/>
+                  </a:lnTo>
+                  <a:lnTo>
+                    <a:pt x="674111" y="235411"/>
+                  </a:lnTo>
+                  <a:lnTo>
+                    <a:pt x="606699" y="247801"/>
+                  </a:lnTo>
+                  <a:lnTo>
+                    <a:pt x="539288" y="260191"/>
+                  </a:lnTo>
+                  <a:lnTo>
+                    <a:pt x="471877" y="272581"/>
+                  </a:lnTo>
+                  <a:lnTo>
+                    <a:pt x="404466" y="284971"/>
+                  </a:lnTo>
+                  <a:lnTo>
+                    <a:pt x="337055" y="297361"/>
+                  </a:lnTo>
+                  <a:lnTo>
+                    <a:pt x="269644" y="309752"/>
+                  </a:lnTo>
+                  <a:lnTo>
+                    <a:pt x="202233" y="322142"/>
+                  </a:lnTo>
+                  <a:lnTo>
+                    <a:pt x="134822" y="334532"/>
+                  </a:lnTo>
+                  <a:lnTo>
+                    <a:pt x="67411" y="346922"/>
                   </a:lnTo>
                   <a:close/>
                 </a:path>
@@ -4981,306 +5156,306 @@
           </p:nvSpPr>
           <p:spPr>
             <a:xfrm>
-              <a:off x="2561673" y="3960878"/>
-              <a:ext cx="2281901" cy="2110509"/>
+              <a:off x="2676853" y="3807225"/>
+              <a:ext cx="2149001" cy="1987591"/>
             </a:xfrm>
             <a:custGeom>
               <a:avLst/>
               <a:pathLst>
-                <a:path w="2281901" h="2110509">
+                <a:path w="2149001" h="1987591">
                   <a:moveTo>
-                    <a:pt x="1977645" y="0"/>
+                    <a:pt x="1862465" y="0"/>
                   </a:moveTo>
                   <a:lnTo>
-                    <a:pt x="1909450" y="25421"/>
-                  </a:lnTo>
-                  <a:lnTo>
-                    <a:pt x="1841255" y="50843"/>
-                  </a:lnTo>
-                  <a:lnTo>
-                    <a:pt x="1773061" y="76265"/>
-                  </a:lnTo>
-                  <a:lnTo>
-                    <a:pt x="1704866" y="101687"/>
-                  </a:lnTo>
-                  <a:lnTo>
-                    <a:pt x="1636671" y="127109"/>
-                  </a:lnTo>
-                  <a:lnTo>
-                    <a:pt x="1568477" y="152531"/>
-                  </a:lnTo>
-                  <a:lnTo>
-                    <a:pt x="1500282" y="177953"/>
-                  </a:lnTo>
-                  <a:lnTo>
-                    <a:pt x="1432087" y="203375"/>
-                  </a:lnTo>
-                  <a:lnTo>
-                    <a:pt x="1363893" y="228796"/>
-                  </a:lnTo>
-                  <a:lnTo>
-                    <a:pt x="1295698" y="254218"/>
-                  </a:lnTo>
-                  <a:lnTo>
-                    <a:pt x="1227503" y="279640"/>
-                  </a:lnTo>
-                  <a:lnTo>
-                    <a:pt x="1159309" y="305062"/>
-                  </a:lnTo>
-                  <a:lnTo>
-                    <a:pt x="1091114" y="330484"/>
-                  </a:lnTo>
-                  <a:lnTo>
-                    <a:pt x="1022919" y="355906"/>
-                  </a:lnTo>
-                  <a:lnTo>
-                    <a:pt x="954725" y="381328"/>
-                  </a:lnTo>
-                  <a:lnTo>
-                    <a:pt x="886530" y="406750"/>
-                  </a:lnTo>
-                  <a:lnTo>
-                    <a:pt x="818335" y="432171"/>
-                  </a:lnTo>
-                  <a:lnTo>
-                    <a:pt x="750141" y="457593"/>
-                  </a:lnTo>
-                  <a:lnTo>
-                    <a:pt x="681946" y="483015"/>
-                  </a:lnTo>
-                  <a:lnTo>
-                    <a:pt x="613751" y="508437"/>
-                  </a:lnTo>
-                  <a:lnTo>
-                    <a:pt x="545557" y="533859"/>
-                  </a:lnTo>
-                  <a:lnTo>
-                    <a:pt x="477362" y="559281"/>
-                  </a:lnTo>
-                  <a:lnTo>
-                    <a:pt x="409167" y="584703"/>
-                  </a:lnTo>
-                  <a:lnTo>
-                    <a:pt x="340973" y="610125"/>
-                  </a:lnTo>
-                  <a:lnTo>
-                    <a:pt x="272778" y="635546"/>
-                  </a:lnTo>
-                  <a:lnTo>
-                    <a:pt x="204583" y="660968"/>
-                  </a:lnTo>
-                  <a:lnTo>
-                    <a:pt x="136389" y="686390"/>
-                  </a:lnTo>
-                  <a:lnTo>
-                    <a:pt x="68194" y="711812"/>
-                  </a:lnTo>
-                  <a:lnTo>
-                    <a:pt x="0" y="737234"/>
-                  </a:lnTo>
-                  <a:lnTo>
-                    <a:pt x="26176" y="803968"/>
-                  </a:lnTo>
-                  <a:lnTo>
-                    <a:pt x="54604" y="869775"/>
-                  </a:lnTo>
-                  <a:lnTo>
-                    <a:pt x="85250" y="934578"/>
-                  </a:lnTo>
-                  <a:lnTo>
-                    <a:pt x="118079" y="998303"/>
-                  </a:lnTo>
-                  <a:lnTo>
-                    <a:pt x="153053" y="1060877"/>
-                  </a:lnTo>
-                  <a:lnTo>
-                    <a:pt x="190132" y="1122227"/>
-                  </a:lnTo>
-                  <a:lnTo>
-                    <a:pt x="229273" y="1182282"/>
-                  </a:lnTo>
-                  <a:lnTo>
-                    <a:pt x="270431" y="1240974"/>
-                  </a:lnTo>
-                  <a:lnTo>
-                    <a:pt x="313558" y="1298233"/>
-                  </a:lnTo>
-                  <a:lnTo>
-                    <a:pt x="358605" y="1353996"/>
-                  </a:lnTo>
-                  <a:lnTo>
-                    <a:pt x="405520" y="1408196"/>
-                  </a:lnTo>
-                  <a:lnTo>
-                    <a:pt x="454248" y="1460772"/>
-                  </a:lnTo>
-                  <a:lnTo>
-                    <a:pt x="504733" y="1511663"/>
-                  </a:lnTo>
-                  <a:lnTo>
-                    <a:pt x="556918" y="1560810"/>
-                  </a:lnTo>
-                  <a:lnTo>
-                    <a:pt x="610741" y="1608157"/>
-                  </a:lnTo>
-                  <a:lnTo>
-                    <a:pt x="666141" y="1653648"/>
-                  </a:lnTo>
-                  <a:lnTo>
-                    <a:pt x="723054" y="1697232"/>
-                  </a:lnTo>
-                  <a:lnTo>
-                    <a:pt x="781415" y="1738858"/>
-                  </a:lnTo>
-                  <a:lnTo>
-                    <a:pt x="841155" y="1778478"/>
-                  </a:lnTo>
-                  <a:lnTo>
-                    <a:pt x="902206" y="1816047"/>
-                  </a:lnTo>
-                  <a:lnTo>
-                    <a:pt x="964498" y="1851520"/>
-                  </a:lnTo>
-                  <a:lnTo>
-                    <a:pt x="1027959" y="1884858"/>
-                  </a:lnTo>
-                  <a:lnTo>
-                    <a:pt x="1092515" y="1916021"/>
-                  </a:lnTo>
-                  <a:lnTo>
-                    <a:pt x="1158092" y="1944975"/>
-                  </a:lnTo>
-                  <a:lnTo>
-                    <a:pt x="1224615" y="1971684"/>
-                  </a:lnTo>
-                  <a:lnTo>
-                    <a:pt x="1292006" y="1996119"/>
-                  </a:lnTo>
-                  <a:lnTo>
-                    <a:pt x="1360188" y="2018252"/>
-                  </a:lnTo>
-                  <a:lnTo>
-                    <a:pt x="1429083" y="2038056"/>
-                  </a:lnTo>
-                  <a:lnTo>
-                    <a:pt x="1498610" y="2055509"/>
-                  </a:lnTo>
-                  <a:lnTo>
-                    <a:pt x="1568690" y="2070591"/>
-                  </a:lnTo>
-                  <a:lnTo>
-                    <a:pt x="1639241" y="2083285"/>
-                  </a:lnTo>
-                  <a:lnTo>
-                    <a:pt x="1710183" y="2093575"/>
-                  </a:lnTo>
-                  <a:lnTo>
-                    <a:pt x="1781434" y="2101450"/>
-                  </a:lnTo>
-                  <a:lnTo>
-                    <a:pt x="1852911" y="2106901"/>
-                  </a:lnTo>
-                  <a:lnTo>
-                    <a:pt x="1924531" y="2109922"/>
-                  </a:lnTo>
-                  <a:lnTo>
-                    <a:pt x="1996213" y="2110509"/>
-                  </a:lnTo>
-                  <a:lnTo>
-                    <a:pt x="2067874" y="2108661"/>
-                  </a:lnTo>
-                  <a:lnTo>
-                    <a:pt x="2139431" y="2104381"/>
-                  </a:lnTo>
-                  <a:lnTo>
-                    <a:pt x="2210800" y="2097673"/>
-                  </a:lnTo>
-                  <a:lnTo>
-                    <a:pt x="2281901" y="2088545"/>
-                  </a:lnTo>
-                  <a:lnTo>
-                    <a:pt x="2271410" y="2016526"/>
-                  </a:lnTo>
-                  <a:lnTo>
-                    <a:pt x="2260918" y="1944507"/>
-                  </a:lnTo>
-                  <a:lnTo>
-                    <a:pt x="2250426" y="1872489"/>
-                  </a:lnTo>
-                  <a:lnTo>
-                    <a:pt x="2239935" y="1800470"/>
-                  </a:lnTo>
-                  <a:lnTo>
-                    <a:pt x="2229443" y="1728451"/>
-                  </a:lnTo>
-                  <a:lnTo>
-                    <a:pt x="2218952" y="1656432"/>
-                  </a:lnTo>
-                  <a:lnTo>
-                    <a:pt x="2208460" y="1584413"/>
-                  </a:lnTo>
-                  <a:lnTo>
-                    <a:pt x="2197968" y="1512395"/>
-                  </a:lnTo>
-                  <a:lnTo>
-                    <a:pt x="2187477" y="1440376"/>
-                  </a:lnTo>
-                  <a:lnTo>
-                    <a:pt x="2176985" y="1368357"/>
-                  </a:lnTo>
-                  <a:lnTo>
-                    <a:pt x="2166494" y="1296338"/>
-                  </a:lnTo>
-                  <a:lnTo>
-                    <a:pt x="2156002" y="1224319"/>
-                  </a:lnTo>
-                  <a:lnTo>
-                    <a:pt x="2145510" y="1152300"/>
-                  </a:lnTo>
-                  <a:lnTo>
-                    <a:pt x="2135019" y="1080282"/>
-                  </a:lnTo>
-                  <a:lnTo>
-                    <a:pt x="2124527" y="1008263"/>
-                  </a:lnTo>
-                  <a:lnTo>
-                    <a:pt x="2114036" y="936244"/>
-                  </a:lnTo>
-                  <a:lnTo>
-                    <a:pt x="2103544" y="864225"/>
-                  </a:lnTo>
-                  <a:lnTo>
-                    <a:pt x="2093052" y="792206"/>
-                  </a:lnTo>
-                  <a:lnTo>
-                    <a:pt x="2082561" y="720188"/>
-                  </a:lnTo>
-                  <a:lnTo>
-                    <a:pt x="2072069" y="648169"/>
-                  </a:lnTo>
-                  <a:lnTo>
-                    <a:pt x="2061577" y="576150"/>
-                  </a:lnTo>
-                  <a:lnTo>
-                    <a:pt x="2051086" y="504131"/>
-                  </a:lnTo>
-                  <a:lnTo>
-                    <a:pt x="2040594" y="432112"/>
-                  </a:lnTo>
-                  <a:lnTo>
-                    <a:pt x="2030103" y="360094"/>
-                  </a:lnTo>
-                  <a:lnTo>
-                    <a:pt x="2019611" y="288075"/>
-                  </a:lnTo>
-                  <a:lnTo>
-                    <a:pt x="2009119" y="216056"/>
-                  </a:lnTo>
-                  <a:lnTo>
-                    <a:pt x="1998628" y="144037"/>
-                  </a:lnTo>
-                  <a:lnTo>
-                    <a:pt x="1988136" y="72018"/>
+                    <a:pt x="1798242" y="23941"/>
+                  </a:lnTo>
+                  <a:lnTo>
+                    <a:pt x="1734019" y="47882"/>
+                  </a:lnTo>
+                  <a:lnTo>
+                    <a:pt x="1669796" y="71823"/>
+                  </a:lnTo>
+                  <a:lnTo>
+                    <a:pt x="1605573" y="95765"/>
+                  </a:lnTo>
+                  <a:lnTo>
+                    <a:pt x="1541350" y="119706"/>
+                  </a:lnTo>
+                  <a:lnTo>
+                    <a:pt x="1477127" y="143647"/>
+                  </a:lnTo>
+                  <a:lnTo>
+                    <a:pt x="1412904" y="167588"/>
+                  </a:lnTo>
+                  <a:lnTo>
+                    <a:pt x="1348681" y="191530"/>
+                  </a:lnTo>
+                  <a:lnTo>
+                    <a:pt x="1284458" y="215471"/>
+                  </a:lnTo>
+                  <a:lnTo>
+                    <a:pt x="1220235" y="239412"/>
+                  </a:lnTo>
+                  <a:lnTo>
+                    <a:pt x="1156012" y="263354"/>
+                  </a:lnTo>
+                  <a:lnTo>
+                    <a:pt x="1091789" y="287295"/>
+                  </a:lnTo>
+                  <a:lnTo>
+                    <a:pt x="1027567" y="311236"/>
+                  </a:lnTo>
+                  <a:lnTo>
+                    <a:pt x="963344" y="335177"/>
+                  </a:lnTo>
+                  <a:lnTo>
+                    <a:pt x="899121" y="359119"/>
+                  </a:lnTo>
+                  <a:lnTo>
+                    <a:pt x="834898" y="383060"/>
+                  </a:lnTo>
+                  <a:lnTo>
+                    <a:pt x="770675" y="407001"/>
+                  </a:lnTo>
+                  <a:lnTo>
+                    <a:pt x="706452" y="430943"/>
+                  </a:lnTo>
+                  <a:lnTo>
+                    <a:pt x="642229" y="454884"/>
+                  </a:lnTo>
+                  <a:lnTo>
+                    <a:pt x="578006" y="478825"/>
+                  </a:lnTo>
+                  <a:lnTo>
+                    <a:pt x="513783" y="502766"/>
+                  </a:lnTo>
+                  <a:lnTo>
+                    <a:pt x="449560" y="526708"/>
+                  </a:lnTo>
+                  <a:lnTo>
+                    <a:pt x="385337" y="550649"/>
+                  </a:lnTo>
+                  <a:lnTo>
+                    <a:pt x="321114" y="574590"/>
+                  </a:lnTo>
+                  <a:lnTo>
+                    <a:pt x="256891" y="598532"/>
+                  </a:lnTo>
+                  <a:lnTo>
+                    <a:pt x="192668" y="622473"/>
+                  </a:lnTo>
+                  <a:lnTo>
+                    <a:pt x="128445" y="646414"/>
+                  </a:lnTo>
+                  <a:lnTo>
+                    <a:pt x="64222" y="670355"/>
+                  </a:lnTo>
+                  <a:lnTo>
+                    <a:pt x="0" y="694297"/>
+                  </a:lnTo>
+                  <a:lnTo>
+                    <a:pt x="24652" y="757144"/>
+                  </a:lnTo>
+                  <a:lnTo>
+                    <a:pt x="51424" y="819118"/>
+                  </a:lnTo>
+                  <a:lnTo>
+                    <a:pt x="80285" y="880147"/>
+                  </a:lnTo>
+                  <a:lnTo>
+                    <a:pt x="111202" y="940161"/>
+                  </a:lnTo>
+                  <a:lnTo>
+                    <a:pt x="144139" y="999090"/>
+                  </a:lnTo>
+                  <a:lnTo>
+                    <a:pt x="179059" y="1056867"/>
+                  </a:lnTo>
+                  <a:lnTo>
+                    <a:pt x="215920" y="1113425"/>
+                  </a:lnTo>
+                  <a:lnTo>
+                    <a:pt x="254681" y="1168698"/>
+                  </a:lnTo>
+                  <a:lnTo>
+                    <a:pt x="295296" y="1222623"/>
+                  </a:lnTo>
+                  <a:lnTo>
+                    <a:pt x="337720" y="1275138"/>
+                  </a:lnTo>
+                  <a:lnTo>
+                    <a:pt x="381902" y="1326181"/>
+                  </a:lnTo>
+                  <a:lnTo>
+                    <a:pt x="427792" y="1375695"/>
+                  </a:lnTo>
+                  <a:lnTo>
+                    <a:pt x="475337" y="1423622"/>
+                  </a:lnTo>
+                  <a:lnTo>
+                    <a:pt x="524482" y="1469907"/>
+                  </a:lnTo>
+                  <a:lnTo>
+                    <a:pt x="575171" y="1514496"/>
+                  </a:lnTo>
+                  <a:lnTo>
+                    <a:pt x="627345" y="1557338"/>
+                  </a:lnTo>
+                  <a:lnTo>
+                    <a:pt x="680943" y="1598384"/>
+                  </a:lnTo>
+                  <a:lnTo>
+                    <a:pt x="735904" y="1637585"/>
+                  </a:lnTo>
+                  <a:lnTo>
+                    <a:pt x="792165" y="1674898"/>
+                  </a:lnTo>
+                  <a:lnTo>
+                    <a:pt x="849661" y="1710278"/>
+                  </a:lnTo>
+                  <a:lnTo>
+                    <a:pt x="908325" y="1743686"/>
+                  </a:lnTo>
+                  <a:lnTo>
+                    <a:pt x="968089" y="1775082"/>
+                  </a:lnTo>
+                  <a:lnTo>
+                    <a:pt x="1028886" y="1804431"/>
+                  </a:lnTo>
+                  <a:lnTo>
+                    <a:pt x="1090644" y="1831698"/>
+                  </a:lnTo>
+                  <a:lnTo>
+                    <a:pt x="1153292" y="1856851"/>
+                  </a:lnTo>
+                  <a:lnTo>
+                    <a:pt x="1216758" y="1879863"/>
+                  </a:lnTo>
+                  <a:lnTo>
+                    <a:pt x="1280969" y="1900707"/>
+                  </a:lnTo>
+                  <a:lnTo>
+                    <a:pt x="1345851" y="1919358"/>
+                  </a:lnTo>
+                  <a:lnTo>
+                    <a:pt x="1411329" y="1935794"/>
+                  </a:lnTo>
+                  <a:lnTo>
+                    <a:pt x="1477328" y="1949998"/>
+                  </a:lnTo>
+                  <a:lnTo>
+                    <a:pt x="1543770" y="1961952"/>
+                  </a:lnTo>
+                  <a:lnTo>
+                    <a:pt x="1610581" y="1971643"/>
+                  </a:lnTo>
+                  <a:lnTo>
+                    <a:pt x="1677681" y="1979060"/>
+                  </a:lnTo>
+                  <a:lnTo>
+                    <a:pt x="1744995" y="1984194"/>
+                  </a:lnTo>
+                  <a:lnTo>
+                    <a:pt x="1812445" y="1987038"/>
+                  </a:lnTo>
+                  <a:lnTo>
+                    <a:pt x="1879952" y="1987591"/>
+                  </a:lnTo>
+                  <a:lnTo>
+                    <a:pt x="1947439" y="1985851"/>
+                  </a:lnTo>
+                  <a:lnTo>
+                    <a:pt x="2014828" y="1981820"/>
+                  </a:lnTo>
+                  <a:lnTo>
+                    <a:pt x="2082041" y="1975502"/>
+                  </a:lnTo>
+                  <a:lnTo>
+                    <a:pt x="2149001" y="1966906"/>
+                  </a:lnTo>
+                  <a:lnTo>
+                    <a:pt x="2139121" y="1899082"/>
+                  </a:lnTo>
+                  <a:lnTo>
+                    <a:pt x="2129240" y="1831257"/>
+                  </a:lnTo>
+                  <a:lnTo>
+                    <a:pt x="2119360" y="1763433"/>
+                  </a:lnTo>
+                  <a:lnTo>
+                    <a:pt x="2109479" y="1695609"/>
+                  </a:lnTo>
+                  <a:lnTo>
+                    <a:pt x="2099598" y="1627784"/>
+                  </a:lnTo>
+                  <a:lnTo>
+                    <a:pt x="2089718" y="1559960"/>
+                  </a:lnTo>
+                  <a:lnTo>
+                    <a:pt x="2079837" y="1492136"/>
+                  </a:lnTo>
+                  <a:lnTo>
+                    <a:pt x="2069957" y="1424311"/>
+                  </a:lnTo>
+                  <a:lnTo>
+                    <a:pt x="2060076" y="1356487"/>
+                  </a:lnTo>
+                  <a:lnTo>
+                    <a:pt x="2050196" y="1288663"/>
+                  </a:lnTo>
+                  <a:lnTo>
+                    <a:pt x="2040315" y="1220838"/>
+                  </a:lnTo>
+                  <a:lnTo>
+                    <a:pt x="2030434" y="1153014"/>
+                  </a:lnTo>
+                  <a:lnTo>
+                    <a:pt x="2020554" y="1085189"/>
+                  </a:lnTo>
+                  <a:lnTo>
+                    <a:pt x="2010673" y="1017365"/>
+                  </a:lnTo>
+                  <a:lnTo>
+                    <a:pt x="2000793" y="949541"/>
+                  </a:lnTo>
+                  <a:lnTo>
+                    <a:pt x="1990912" y="881716"/>
+                  </a:lnTo>
+                  <a:lnTo>
+                    <a:pt x="1981032" y="813892"/>
+                  </a:lnTo>
+                  <a:lnTo>
+                    <a:pt x="1971151" y="746068"/>
+                  </a:lnTo>
+                  <a:lnTo>
+                    <a:pt x="1961270" y="678243"/>
+                  </a:lnTo>
+                  <a:lnTo>
+                    <a:pt x="1951390" y="610419"/>
+                  </a:lnTo>
+                  <a:lnTo>
+                    <a:pt x="1941509" y="542594"/>
+                  </a:lnTo>
+                  <a:lnTo>
+                    <a:pt x="1931629" y="474770"/>
+                  </a:lnTo>
+                  <a:lnTo>
+                    <a:pt x="1921748" y="406946"/>
+                  </a:lnTo>
+                  <a:lnTo>
+                    <a:pt x="1911868" y="339121"/>
+                  </a:lnTo>
+                  <a:lnTo>
+                    <a:pt x="1901987" y="271297"/>
+                  </a:lnTo>
+                  <a:lnTo>
+                    <a:pt x="1892106" y="203473"/>
+                  </a:lnTo>
+                  <a:lnTo>
+                    <a:pt x="1882226" y="135648"/>
+                  </a:lnTo>
+                  <a:lnTo>
+                    <a:pt x="1872345" y="67824"/>
                   </a:lnTo>
                   <a:close/>
                 </a:path>
@@ -5315,249 +5490,249 @@
           </p:nvSpPr>
           <p:spPr>
             <a:xfrm>
-              <a:off x="2428896" y="3205580"/>
-              <a:ext cx="2110422" cy="1492532"/>
+              <a:off x="2551808" y="3095916"/>
+              <a:ext cx="1987509" cy="1405606"/>
             </a:xfrm>
             <a:custGeom>
               <a:avLst/>
               <a:pathLst>
-                <a:path w="2110422" h="1492532">
+                <a:path w="1987509" h="1405606">
                   <a:moveTo>
-                    <a:pt x="2110422" y="755298"/>
+                    <a:pt x="1987509" y="711308"/>
                   </a:moveTo>
                   <a:lnTo>
-                    <a:pt x="2042463" y="729253"/>
-                  </a:lnTo>
-                  <a:lnTo>
-                    <a:pt x="1974504" y="703208"/>
-                  </a:lnTo>
-                  <a:lnTo>
-                    <a:pt x="1906544" y="677163"/>
-                  </a:lnTo>
-                  <a:lnTo>
-                    <a:pt x="1838585" y="651119"/>
-                  </a:lnTo>
-                  <a:lnTo>
-                    <a:pt x="1770626" y="625074"/>
-                  </a:lnTo>
-                  <a:lnTo>
-                    <a:pt x="1702667" y="599029"/>
-                  </a:lnTo>
-                  <a:lnTo>
-                    <a:pt x="1634708" y="572984"/>
-                  </a:lnTo>
-                  <a:lnTo>
-                    <a:pt x="1566748" y="546939"/>
-                  </a:lnTo>
-                  <a:lnTo>
-                    <a:pt x="1498789" y="520895"/>
-                  </a:lnTo>
-                  <a:lnTo>
-                    <a:pt x="1430830" y="494850"/>
-                  </a:lnTo>
-                  <a:lnTo>
-                    <a:pt x="1362871" y="468805"/>
-                  </a:lnTo>
-                  <a:lnTo>
-                    <a:pt x="1294912" y="442760"/>
-                  </a:lnTo>
-                  <a:lnTo>
-                    <a:pt x="1226952" y="416716"/>
-                  </a:lnTo>
-                  <a:lnTo>
-                    <a:pt x="1158993" y="390671"/>
-                  </a:lnTo>
-                  <a:lnTo>
-                    <a:pt x="1091034" y="364626"/>
-                  </a:lnTo>
-                  <a:lnTo>
-                    <a:pt x="1023075" y="338581"/>
-                  </a:lnTo>
-                  <a:lnTo>
-                    <a:pt x="955116" y="312537"/>
-                  </a:lnTo>
-                  <a:lnTo>
-                    <a:pt x="887156" y="286492"/>
-                  </a:lnTo>
-                  <a:lnTo>
-                    <a:pt x="819197" y="260447"/>
-                  </a:lnTo>
-                  <a:lnTo>
-                    <a:pt x="751238" y="234402"/>
-                  </a:lnTo>
-                  <a:lnTo>
-                    <a:pt x="683279" y="208358"/>
-                  </a:lnTo>
-                  <a:lnTo>
-                    <a:pt x="615320" y="182313"/>
-                  </a:lnTo>
-                  <a:lnTo>
-                    <a:pt x="547360" y="156268"/>
-                  </a:lnTo>
-                  <a:lnTo>
-                    <a:pt x="479401" y="130223"/>
-                  </a:lnTo>
-                  <a:lnTo>
-                    <a:pt x="411442" y="104179"/>
-                  </a:lnTo>
-                  <a:lnTo>
-                    <a:pt x="343483" y="78134"/>
-                  </a:lnTo>
-                  <a:lnTo>
-                    <a:pt x="275524" y="52089"/>
-                  </a:lnTo>
-                  <a:lnTo>
-                    <a:pt x="207564" y="26044"/>
-                  </a:lnTo>
-                  <a:lnTo>
-                    <a:pt x="139605" y="0"/>
-                  </a:lnTo>
-                  <a:lnTo>
-                    <a:pt x="114781" y="68267"/>
-                  </a:lnTo>
-                  <a:lnTo>
-                    <a:pt x="92320" y="137349"/>
-                  </a:lnTo>
-                  <a:lnTo>
-                    <a:pt x="72251" y="207163"/>
-                  </a:lnTo>
-                  <a:lnTo>
-                    <a:pt x="54595" y="277626"/>
-                  </a:lnTo>
-                  <a:lnTo>
-                    <a:pt x="39375" y="348654"/>
-                  </a:lnTo>
-                  <a:lnTo>
-                    <a:pt x="26608" y="420165"/>
-                  </a:lnTo>
-                  <a:lnTo>
-                    <a:pt x="16310" y="492072"/>
-                  </a:lnTo>
-                  <a:lnTo>
-                    <a:pt x="8492" y="564292"/>
-                  </a:lnTo>
-                  <a:lnTo>
-                    <a:pt x="3164" y="636737"/>
-                  </a:lnTo>
-                  <a:lnTo>
-                    <a:pt x="332" y="709323"/>
-                  </a:lnTo>
-                  <a:lnTo>
-                    <a:pt x="0" y="781964"/>
-                  </a:lnTo>
-                  <a:lnTo>
-                    <a:pt x="2167" y="854573"/>
-                  </a:lnTo>
-                  <a:lnTo>
-                    <a:pt x="6832" y="927064"/>
-                  </a:lnTo>
-                  <a:lnTo>
-                    <a:pt x="13989" y="999352"/>
-                  </a:lnTo>
-                  <a:lnTo>
-                    <a:pt x="23629" y="1071350"/>
-                  </a:lnTo>
-                  <a:lnTo>
-                    <a:pt x="35741" y="1142975"/>
-                  </a:lnTo>
-                  <a:lnTo>
-                    <a:pt x="50311" y="1214140"/>
-                  </a:lnTo>
-                  <a:lnTo>
-                    <a:pt x="67321" y="1284761"/>
-                  </a:lnTo>
-                  <a:lnTo>
-                    <a:pt x="86751" y="1354756"/>
-                  </a:lnTo>
-                  <a:lnTo>
-                    <a:pt x="108578" y="1424040"/>
-                  </a:lnTo>
-                  <a:lnTo>
-                    <a:pt x="132777" y="1492532"/>
-                  </a:lnTo>
-                  <a:lnTo>
-                    <a:pt x="200972" y="1467110"/>
-                  </a:lnTo>
-                  <a:lnTo>
-                    <a:pt x="269166" y="1441688"/>
-                  </a:lnTo>
-                  <a:lnTo>
-                    <a:pt x="337361" y="1416266"/>
-                  </a:lnTo>
-                  <a:lnTo>
-                    <a:pt x="405556" y="1390844"/>
-                  </a:lnTo>
-                  <a:lnTo>
-                    <a:pt x="473750" y="1365423"/>
-                  </a:lnTo>
-                  <a:lnTo>
-                    <a:pt x="541945" y="1340001"/>
-                  </a:lnTo>
-                  <a:lnTo>
-                    <a:pt x="610140" y="1314579"/>
-                  </a:lnTo>
-                  <a:lnTo>
-                    <a:pt x="678334" y="1289157"/>
-                  </a:lnTo>
-                  <a:lnTo>
-                    <a:pt x="746529" y="1263735"/>
-                  </a:lnTo>
-                  <a:lnTo>
-                    <a:pt x="814724" y="1238313"/>
-                  </a:lnTo>
-                  <a:lnTo>
-                    <a:pt x="882918" y="1212891"/>
-                  </a:lnTo>
-                  <a:lnTo>
-                    <a:pt x="951113" y="1187469"/>
-                  </a:lnTo>
-                  <a:lnTo>
-                    <a:pt x="1019308" y="1162048"/>
-                  </a:lnTo>
-                  <a:lnTo>
-                    <a:pt x="1087502" y="1136626"/>
-                  </a:lnTo>
-                  <a:lnTo>
-                    <a:pt x="1155697" y="1111204"/>
-                  </a:lnTo>
-                  <a:lnTo>
-                    <a:pt x="1223892" y="1085782"/>
-                  </a:lnTo>
-                  <a:lnTo>
-                    <a:pt x="1292086" y="1060360"/>
-                  </a:lnTo>
-                  <a:lnTo>
-                    <a:pt x="1360281" y="1034938"/>
-                  </a:lnTo>
-                  <a:lnTo>
-                    <a:pt x="1428476" y="1009516"/>
-                  </a:lnTo>
-                  <a:lnTo>
-                    <a:pt x="1496670" y="984094"/>
-                  </a:lnTo>
-                  <a:lnTo>
-                    <a:pt x="1564865" y="958673"/>
-                  </a:lnTo>
-                  <a:lnTo>
-                    <a:pt x="1633059" y="933251"/>
-                  </a:lnTo>
-                  <a:lnTo>
-                    <a:pt x="1701254" y="907829"/>
-                  </a:lnTo>
-                  <a:lnTo>
-                    <a:pt x="1769449" y="882407"/>
-                  </a:lnTo>
-                  <a:lnTo>
-                    <a:pt x="1837643" y="856985"/>
-                  </a:lnTo>
-                  <a:lnTo>
-                    <a:pt x="1905838" y="831563"/>
-                  </a:lnTo>
-                  <a:lnTo>
-                    <a:pt x="1974033" y="806141"/>
-                  </a:lnTo>
-                  <a:lnTo>
-                    <a:pt x="2042227" y="780719"/>
+                    <a:pt x="1923508" y="686780"/>
+                  </a:lnTo>
+                  <a:lnTo>
+                    <a:pt x="1859507" y="662253"/>
+                  </a:lnTo>
+                  <a:lnTo>
+                    <a:pt x="1795506" y="637725"/>
+                  </a:lnTo>
+                  <a:lnTo>
+                    <a:pt x="1731504" y="613197"/>
+                  </a:lnTo>
+                  <a:lnTo>
+                    <a:pt x="1667503" y="588669"/>
+                  </a:lnTo>
+                  <a:lnTo>
+                    <a:pt x="1603502" y="564141"/>
+                  </a:lnTo>
+                  <a:lnTo>
+                    <a:pt x="1539501" y="539613"/>
+                  </a:lnTo>
+                  <a:lnTo>
+                    <a:pt x="1475500" y="515085"/>
+                  </a:lnTo>
+                  <a:lnTo>
+                    <a:pt x="1411498" y="490557"/>
+                  </a:lnTo>
+                  <a:lnTo>
+                    <a:pt x="1347497" y="466029"/>
+                  </a:lnTo>
+                  <a:lnTo>
+                    <a:pt x="1283496" y="441502"/>
+                  </a:lnTo>
+                  <a:lnTo>
+                    <a:pt x="1219495" y="416974"/>
+                  </a:lnTo>
+                  <a:lnTo>
+                    <a:pt x="1155494" y="392446"/>
+                  </a:lnTo>
+                  <a:lnTo>
+                    <a:pt x="1091492" y="367918"/>
+                  </a:lnTo>
+                  <a:lnTo>
+                    <a:pt x="1027491" y="343390"/>
+                  </a:lnTo>
+                  <a:lnTo>
+                    <a:pt x="963490" y="318862"/>
+                  </a:lnTo>
+                  <a:lnTo>
+                    <a:pt x="899489" y="294334"/>
+                  </a:lnTo>
+                  <a:lnTo>
+                    <a:pt x="835488" y="269806"/>
+                  </a:lnTo>
+                  <a:lnTo>
+                    <a:pt x="771486" y="245278"/>
+                  </a:lnTo>
+                  <a:lnTo>
+                    <a:pt x="707485" y="220751"/>
+                  </a:lnTo>
+                  <a:lnTo>
+                    <a:pt x="643484" y="196223"/>
+                  </a:lnTo>
+                  <a:lnTo>
+                    <a:pt x="579483" y="171695"/>
+                  </a:lnTo>
+                  <a:lnTo>
+                    <a:pt x="515482" y="147167"/>
+                  </a:lnTo>
+                  <a:lnTo>
+                    <a:pt x="451480" y="122639"/>
+                  </a:lnTo>
+                  <a:lnTo>
+                    <a:pt x="387479" y="98111"/>
+                  </a:lnTo>
+                  <a:lnTo>
+                    <a:pt x="323478" y="73583"/>
+                  </a:lnTo>
+                  <a:lnTo>
+                    <a:pt x="259477" y="49055"/>
+                  </a:lnTo>
+                  <a:lnTo>
+                    <a:pt x="195476" y="24527"/>
+                  </a:lnTo>
+                  <a:lnTo>
+                    <a:pt x="131474" y="0"/>
+                  </a:lnTo>
+                  <a:lnTo>
+                    <a:pt x="108096" y="64291"/>
+                  </a:lnTo>
+                  <a:lnTo>
+                    <a:pt x="86944" y="129350"/>
+                  </a:lnTo>
+                  <a:lnTo>
+                    <a:pt x="68043" y="195097"/>
+                  </a:lnTo>
+                  <a:lnTo>
+                    <a:pt x="51416" y="261456"/>
+                  </a:lnTo>
+                  <a:lnTo>
+                    <a:pt x="37082" y="328348"/>
+                  </a:lnTo>
+                  <a:lnTo>
+                    <a:pt x="25058" y="395694"/>
+                  </a:lnTo>
+                  <a:lnTo>
+                    <a:pt x="15360" y="463414"/>
+                  </a:lnTo>
+                  <a:lnTo>
+                    <a:pt x="7997" y="531427"/>
+                  </a:lnTo>
+                  <a:lnTo>
+                    <a:pt x="2979" y="599653"/>
+                  </a:lnTo>
+                  <a:lnTo>
+                    <a:pt x="312" y="668012"/>
+                  </a:lnTo>
+                  <a:lnTo>
+                    <a:pt x="0" y="736421"/>
+                  </a:lnTo>
+                  <a:lnTo>
+                    <a:pt x="2041" y="804801"/>
+                  </a:lnTo>
+                  <a:lnTo>
+                    <a:pt x="6434" y="873071"/>
+                  </a:lnTo>
+                  <a:lnTo>
+                    <a:pt x="13174" y="941148"/>
+                  </a:lnTo>
+                  <a:lnTo>
+                    <a:pt x="22253" y="1008954"/>
+                  </a:lnTo>
+                  <a:lnTo>
+                    <a:pt x="33659" y="1076407"/>
+                  </a:lnTo>
+                  <a:lnTo>
+                    <a:pt x="47381" y="1143427"/>
+                  </a:lnTo>
+                  <a:lnTo>
+                    <a:pt x="63400" y="1209936"/>
+                  </a:lnTo>
+                  <a:lnTo>
+                    <a:pt x="81699" y="1275853"/>
+                  </a:lnTo>
+                  <a:lnTo>
+                    <a:pt x="102255" y="1341102"/>
+                  </a:lnTo>
+                  <a:lnTo>
+                    <a:pt x="125044" y="1405606"/>
+                  </a:lnTo>
+                  <a:lnTo>
+                    <a:pt x="189267" y="1381664"/>
+                  </a:lnTo>
+                  <a:lnTo>
+                    <a:pt x="253490" y="1357723"/>
+                  </a:lnTo>
+                  <a:lnTo>
+                    <a:pt x="317713" y="1333782"/>
+                  </a:lnTo>
+                  <a:lnTo>
+                    <a:pt x="381936" y="1309840"/>
+                  </a:lnTo>
+                  <a:lnTo>
+                    <a:pt x="446159" y="1285899"/>
+                  </a:lnTo>
+                  <a:lnTo>
+                    <a:pt x="510382" y="1261958"/>
+                  </a:lnTo>
+                  <a:lnTo>
+                    <a:pt x="574605" y="1238017"/>
+                  </a:lnTo>
+                  <a:lnTo>
+                    <a:pt x="638827" y="1214075"/>
+                  </a:lnTo>
+                  <a:lnTo>
+                    <a:pt x="703050" y="1190134"/>
+                  </a:lnTo>
+                  <a:lnTo>
+                    <a:pt x="767273" y="1166193"/>
+                  </a:lnTo>
+                  <a:lnTo>
+                    <a:pt x="831496" y="1142251"/>
+                  </a:lnTo>
+                  <a:lnTo>
+                    <a:pt x="895719" y="1118310"/>
+                  </a:lnTo>
+                  <a:lnTo>
+                    <a:pt x="959942" y="1094369"/>
+                  </a:lnTo>
+                  <a:lnTo>
+                    <a:pt x="1024165" y="1070428"/>
+                  </a:lnTo>
+                  <a:lnTo>
+                    <a:pt x="1088388" y="1046486"/>
+                  </a:lnTo>
+                  <a:lnTo>
+                    <a:pt x="1152611" y="1022545"/>
+                  </a:lnTo>
+                  <a:lnTo>
+                    <a:pt x="1216834" y="998604"/>
+                  </a:lnTo>
+                  <a:lnTo>
+                    <a:pt x="1281057" y="974662"/>
+                  </a:lnTo>
+                  <a:lnTo>
+                    <a:pt x="1345280" y="950721"/>
+                  </a:lnTo>
+                  <a:lnTo>
+                    <a:pt x="1409503" y="926780"/>
+                  </a:lnTo>
+                  <a:lnTo>
+                    <a:pt x="1473726" y="902839"/>
+                  </a:lnTo>
+                  <a:lnTo>
+                    <a:pt x="1537949" y="878897"/>
+                  </a:lnTo>
+                  <a:lnTo>
+                    <a:pt x="1602172" y="854956"/>
+                  </a:lnTo>
+                  <a:lnTo>
+                    <a:pt x="1666394" y="831015"/>
+                  </a:lnTo>
+                  <a:lnTo>
+                    <a:pt x="1730617" y="807073"/>
+                  </a:lnTo>
+                  <a:lnTo>
+                    <a:pt x="1794840" y="783132"/>
+                  </a:lnTo>
+                  <a:lnTo>
+                    <a:pt x="1859063" y="759191"/>
+                  </a:lnTo>
+                  <a:lnTo>
+                    <a:pt x="1923286" y="735250"/>
                   </a:lnTo>
                   <a:close/>
                 </a:path>
@@ -5592,231 +5767,231 @@
           </p:nvSpPr>
           <p:spPr>
             <a:xfrm>
-              <a:off x="2568501" y="2315506"/>
-              <a:ext cx="1970816" cy="1645371"/>
+              <a:off x="2683283" y="2257681"/>
+              <a:ext cx="1856034" cy="1549543"/>
             </a:xfrm>
             <a:custGeom>
               <a:avLst/>
               <a:pathLst>
-                <a:path w="1970816" h="1645371">
+                <a:path w="1856034" h="1549543">
                   <a:moveTo>
-                    <a:pt x="1970816" y="1645371"/>
+                    <a:pt x="1856034" y="1549543"/>
                   </a:moveTo>
                   <a:lnTo>
-                    <a:pt x="1925235" y="1588634"/>
-                  </a:lnTo>
-                  <a:lnTo>
-                    <a:pt x="1879653" y="1531897"/>
-                  </a:lnTo>
-                  <a:lnTo>
-                    <a:pt x="1834071" y="1475160"/>
-                  </a:lnTo>
-                  <a:lnTo>
-                    <a:pt x="1788489" y="1418424"/>
-                  </a:lnTo>
-                  <a:lnTo>
-                    <a:pt x="1742907" y="1361687"/>
-                  </a:lnTo>
-                  <a:lnTo>
-                    <a:pt x="1697326" y="1304950"/>
-                  </a:lnTo>
-                  <a:lnTo>
-                    <a:pt x="1651744" y="1248213"/>
-                  </a:lnTo>
-                  <a:lnTo>
-                    <a:pt x="1606162" y="1191476"/>
-                  </a:lnTo>
-                  <a:lnTo>
-                    <a:pt x="1560580" y="1134739"/>
-                  </a:lnTo>
-                  <a:lnTo>
-                    <a:pt x="1514998" y="1078002"/>
-                  </a:lnTo>
-                  <a:lnTo>
-                    <a:pt x="1469417" y="1021265"/>
-                  </a:lnTo>
-                  <a:lnTo>
-                    <a:pt x="1423835" y="964528"/>
-                  </a:lnTo>
-                  <a:lnTo>
-                    <a:pt x="1378253" y="907791"/>
-                  </a:lnTo>
-                  <a:lnTo>
-                    <a:pt x="1332671" y="851054"/>
-                  </a:lnTo>
-                  <a:lnTo>
-                    <a:pt x="1287089" y="794317"/>
-                  </a:lnTo>
-                  <a:lnTo>
-                    <a:pt x="1241508" y="737580"/>
-                  </a:lnTo>
-                  <a:lnTo>
-                    <a:pt x="1195926" y="680843"/>
-                  </a:lnTo>
-                  <a:lnTo>
-                    <a:pt x="1150344" y="624106"/>
-                  </a:lnTo>
-                  <a:lnTo>
-                    <a:pt x="1104762" y="567369"/>
-                  </a:lnTo>
-                  <a:lnTo>
-                    <a:pt x="1059180" y="510632"/>
-                  </a:lnTo>
-                  <a:lnTo>
-                    <a:pt x="1013599" y="453895"/>
-                  </a:lnTo>
-                  <a:lnTo>
-                    <a:pt x="968017" y="397158"/>
-                  </a:lnTo>
-                  <a:lnTo>
-                    <a:pt x="922435" y="340421"/>
-                  </a:lnTo>
-                  <a:lnTo>
-                    <a:pt x="876853" y="283684"/>
-                  </a:lnTo>
-                  <a:lnTo>
-                    <a:pt x="831271" y="226947"/>
-                  </a:lnTo>
-                  <a:lnTo>
-                    <a:pt x="785690" y="170210"/>
-                  </a:lnTo>
-                  <a:lnTo>
-                    <a:pt x="740108" y="113473"/>
-                  </a:lnTo>
-                  <a:lnTo>
-                    <a:pt x="694526" y="56736"/>
-                  </a:lnTo>
-                  <a:lnTo>
-                    <a:pt x="648944" y="0"/>
-                  </a:lnTo>
-                  <a:lnTo>
-                    <a:pt x="591856" y="47541"/>
-                  </a:lnTo>
-                  <a:lnTo>
-                    <a:pt x="536477" y="97061"/>
-                  </a:lnTo>
-                  <a:lnTo>
-                    <a:pt x="482874" y="148500"/>
-                  </a:lnTo>
-                  <a:lnTo>
-                    <a:pt x="431115" y="201794"/>
-                  </a:lnTo>
-                  <a:lnTo>
-                    <a:pt x="381264" y="256876"/>
-                  </a:lnTo>
-                  <a:lnTo>
-                    <a:pt x="333382" y="313679"/>
-                  </a:lnTo>
-                  <a:lnTo>
-                    <a:pt x="287529" y="372132"/>
-                  </a:lnTo>
-                  <a:lnTo>
-                    <a:pt x="243762" y="432162"/>
-                  </a:lnTo>
-                  <a:lnTo>
-                    <a:pt x="202134" y="493695"/>
-                  </a:lnTo>
-                  <a:lnTo>
-                    <a:pt x="162698" y="556655"/>
-                  </a:lnTo>
-                  <a:lnTo>
-                    <a:pt x="125502" y="620964"/>
-                  </a:lnTo>
-                  <a:lnTo>
-                    <a:pt x="90592" y="686543"/>
-                  </a:lnTo>
-                  <a:lnTo>
-                    <a:pt x="58012" y="753309"/>
-                  </a:lnTo>
-                  <a:lnTo>
-                    <a:pt x="27802" y="821181"/>
-                  </a:lnTo>
-                  <a:lnTo>
-                    <a:pt x="0" y="890073"/>
-                  </a:lnTo>
-                  <a:lnTo>
-                    <a:pt x="67959" y="916118"/>
-                  </a:lnTo>
-                  <a:lnTo>
-                    <a:pt x="135918" y="942163"/>
-                  </a:lnTo>
-                  <a:lnTo>
-                    <a:pt x="203877" y="968208"/>
-                  </a:lnTo>
-                  <a:lnTo>
-                    <a:pt x="271836" y="994252"/>
-                  </a:lnTo>
-                  <a:lnTo>
-                    <a:pt x="339796" y="1020297"/>
-                  </a:lnTo>
-                  <a:lnTo>
-                    <a:pt x="407755" y="1046342"/>
-                  </a:lnTo>
-                  <a:lnTo>
-                    <a:pt x="475714" y="1072387"/>
-                  </a:lnTo>
-                  <a:lnTo>
-                    <a:pt x="543673" y="1098431"/>
-                  </a:lnTo>
-                  <a:lnTo>
-                    <a:pt x="611632" y="1124476"/>
-                  </a:lnTo>
-                  <a:lnTo>
-                    <a:pt x="679592" y="1150521"/>
-                  </a:lnTo>
-                  <a:lnTo>
-                    <a:pt x="747551" y="1176566"/>
-                  </a:lnTo>
-                  <a:lnTo>
-                    <a:pt x="815510" y="1202610"/>
-                  </a:lnTo>
-                  <a:lnTo>
-                    <a:pt x="883469" y="1228655"/>
-                  </a:lnTo>
-                  <a:lnTo>
-                    <a:pt x="951428" y="1254700"/>
-                  </a:lnTo>
-                  <a:lnTo>
-                    <a:pt x="1019388" y="1280745"/>
-                  </a:lnTo>
-                  <a:lnTo>
-                    <a:pt x="1087347" y="1306789"/>
-                  </a:lnTo>
-                  <a:lnTo>
-                    <a:pt x="1155306" y="1332834"/>
-                  </a:lnTo>
-                  <a:lnTo>
-                    <a:pt x="1223265" y="1358879"/>
-                  </a:lnTo>
-                  <a:lnTo>
-                    <a:pt x="1291224" y="1384924"/>
-                  </a:lnTo>
-                  <a:lnTo>
-                    <a:pt x="1359184" y="1410969"/>
-                  </a:lnTo>
-                  <a:lnTo>
-                    <a:pt x="1427143" y="1437013"/>
-                  </a:lnTo>
-                  <a:lnTo>
-                    <a:pt x="1495102" y="1463058"/>
-                  </a:lnTo>
-                  <a:lnTo>
-                    <a:pt x="1563061" y="1489103"/>
-                  </a:lnTo>
-                  <a:lnTo>
-                    <a:pt x="1631020" y="1515148"/>
-                  </a:lnTo>
-                  <a:lnTo>
-                    <a:pt x="1698980" y="1541192"/>
-                  </a:lnTo>
-                  <a:lnTo>
-                    <a:pt x="1766939" y="1567237"/>
-                  </a:lnTo>
-                  <a:lnTo>
-                    <a:pt x="1834898" y="1593282"/>
-                  </a:lnTo>
-                  <a:lnTo>
-                    <a:pt x="1902857" y="1619327"/>
+                    <a:pt x="1813107" y="1496111"/>
+                  </a:lnTo>
+                  <a:lnTo>
+                    <a:pt x="1770180" y="1442678"/>
+                  </a:lnTo>
+                  <a:lnTo>
+                    <a:pt x="1727253" y="1389246"/>
+                  </a:lnTo>
+                  <a:lnTo>
+                    <a:pt x="1684326" y="1335813"/>
+                  </a:lnTo>
+                  <a:lnTo>
+                    <a:pt x="1641399" y="1282381"/>
+                  </a:lnTo>
+                  <a:lnTo>
+                    <a:pt x="1598472" y="1228948"/>
+                  </a:lnTo>
+                  <a:lnTo>
+                    <a:pt x="1555545" y="1175516"/>
+                  </a:lnTo>
+                  <a:lnTo>
+                    <a:pt x="1512618" y="1122083"/>
+                  </a:lnTo>
+                  <a:lnTo>
+                    <a:pt x="1469691" y="1068650"/>
+                  </a:lnTo>
+                  <a:lnTo>
+                    <a:pt x="1426764" y="1015218"/>
+                  </a:lnTo>
+                  <a:lnTo>
+                    <a:pt x="1383836" y="961785"/>
+                  </a:lnTo>
+                  <a:lnTo>
+                    <a:pt x="1340909" y="908353"/>
+                  </a:lnTo>
+                  <a:lnTo>
+                    <a:pt x="1297982" y="854920"/>
+                  </a:lnTo>
+                  <a:lnTo>
+                    <a:pt x="1255055" y="801488"/>
+                  </a:lnTo>
+                  <a:lnTo>
+                    <a:pt x="1212128" y="748055"/>
+                  </a:lnTo>
+                  <a:lnTo>
+                    <a:pt x="1169201" y="694623"/>
+                  </a:lnTo>
+                  <a:lnTo>
+                    <a:pt x="1126274" y="641190"/>
+                  </a:lnTo>
+                  <a:lnTo>
+                    <a:pt x="1083347" y="587758"/>
+                  </a:lnTo>
+                  <a:lnTo>
+                    <a:pt x="1040420" y="534325"/>
+                  </a:lnTo>
+                  <a:lnTo>
+                    <a:pt x="997493" y="480892"/>
+                  </a:lnTo>
+                  <a:lnTo>
+                    <a:pt x="954566" y="427460"/>
+                  </a:lnTo>
+                  <a:lnTo>
+                    <a:pt x="911639" y="374027"/>
+                  </a:lnTo>
+                  <a:lnTo>
+                    <a:pt x="868712" y="320595"/>
+                  </a:lnTo>
+                  <a:lnTo>
+                    <a:pt x="825784" y="267162"/>
+                  </a:lnTo>
+                  <a:lnTo>
+                    <a:pt x="782857" y="213730"/>
+                  </a:lnTo>
+                  <a:lnTo>
+                    <a:pt x="739930" y="160297"/>
+                  </a:lnTo>
+                  <a:lnTo>
+                    <a:pt x="697003" y="106865"/>
+                  </a:lnTo>
+                  <a:lnTo>
+                    <a:pt x="654076" y="53432"/>
+                  </a:lnTo>
+                  <a:lnTo>
+                    <a:pt x="611149" y="0"/>
+                  </a:lnTo>
+                  <a:lnTo>
+                    <a:pt x="557386" y="44772"/>
+                  </a:lnTo>
+                  <a:lnTo>
+                    <a:pt x="505232" y="91408"/>
+                  </a:lnTo>
+                  <a:lnTo>
+                    <a:pt x="454751" y="139852"/>
+                  </a:lnTo>
+                  <a:lnTo>
+                    <a:pt x="406007" y="190041"/>
+                  </a:lnTo>
+                  <a:lnTo>
+                    <a:pt x="359059" y="241916"/>
+                  </a:lnTo>
+                  <a:lnTo>
+                    <a:pt x="313966" y="295410"/>
+                  </a:lnTo>
+                  <a:lnTo>
+                    <a:pt x="270783" y="350458"/>
+                  </a:lnTo>
+                  <a:lnTo>
+                    <a:pt x="229565" y="406992"/>
+                  </a:lnTo>
+                  <a:lnTo>
+                    <a:pt x="190362" y="464942"/>
+                  </a:lnTo>
+                  <a:lnTo>
+                    <a:pt x="153222" y="524235"/>
+                  </a:lnTo>
+                  <a:lnTo>
+                    <a:pt x="118193" y="584799"/>
+                  </a:lnTo>
+                  <a:lnTo>
+                    <a:pt x="85316" y="646558"/>
+                  </a:lnTo>
+                  <a:lnTo>
+                    <a:pt x="54634" y="709436"/>
+                  </a:lnTo>
+                  <a:lnTo>
+                    <a:pt x="26183" y="773354"/>
+                  </a:lnTo>
+                  <a:lnTo>
+                    <a:pt x="0" y="838235"/>
+                  </a:lnTo>
+                  <a:lnTo>
+                    <a:pt x="64001" y="862762"/>
+                  </a:lnTo>
+                  <a:lnTo>
+                    <a:pt x="128002" y="887290"/>
+                  </a:lnTo>
+                  <a:lnTo>
+                    <a:pt x="192003" y="911818"/>
+                  </a:lnTo>
+                  <a:lnTo>
+                    <a:pt x="256004" y="936346"/>
+                  </a:lnTo>
+                  <a:lnTo>
+                    <a:pt x="320005" y="960874"/>
+                  </a:lnTo>
+                  <a:lnTo>
+                    <a:pt x="384007" y="985402"/>
+                  </a:lnTo>
+                  <a:lnTo>
+                    <a:pt x="448008" y="1009930"/>
+                  </a:lnTo>
+                  <a:lnTo>
+                    <a:pt x="512009" y="1034458"/>
+                  </a:lnTo>
+                  <a:lnTo>
+                    <a:pt x="576010" y="1058986"/>
+                  </a:lnTo>
+                  <a:lnTo>
+                    <a:pt x="640011" y="1083513"/>
+                  </a:lnTo>
+                  <a:lnTo>
+                    <a:pt x="704013" y="1108041"/>
+                  </a:lnTo>
+                  <a:lnTo>
+                    <a:pt x="768014" y="1132569"/>
+                  </a:lnTo>
+                  <a:lnTo>
+                    <a:pt x="832015" y="1157097"/>
+                  </a:lnTo>
+                  <a:lnTo>
+                    <a:pt x="896016" y="1181625"/>
+                  </a:lnTo>
+                  <a:lnTo>
+                    <a:pt x="960017" y="1206153"/>
+                  </a:lnTo>
+                  <a:lnTo>
+                    <a:pt x="1024019" y="1230681"/>
+                  </a:lnTo>
+                  <a:lnTo>
+                    <a:pt x="1088020" y="1255209"/>
+                  </a:lnTo>
+                  <a:lnTo>
+                    <a:pt x="1152021" y="1279737"/>
+                  </a:lnTo>
+                  <a:lnTo>
+                    <a:pt x="1216022" y="1304264"/>
+                  </a:lnTo>
+                  <a:lnTo>
+                    <a:pt x="1280023" y="1328792"/>
+                  </a:lnTo>
+                  <a:lnTo>
+                    <a:pt x="1344025" y="1353320"/>
+                  </a:lnTo>
+                  <a:lnTo>
+                    <a:pt x="1408026" y="1377848"/>
+                  </a:lnTo>
+                  <a:lnTo>
+                    <a:pt x="1472027" y="1402376"/>
+                  </a:lnTo>
+                  <a:lnTo>
+                    <a:pt x="1536028" y="1426904"/>
+                  </a:lnTo>
+                  <a:lnTo>
+                    <a:pt x="1600029" y="1451432"/>
+                  </a:lnTo>
+                  <a:lnTo>
+                    <a:pt x="1664031" y="1475960"/>
+                  </a:lnTo>
+                  <a:lnTo>
+                    <a:pt x="1728032" y="1500488"/>
+                  </a:lnTo>
+                  <a:lnTo>
+                    <a:pt x="1792033" y="1525015"/>
                   </a:lnTo>
                   <a:close/>
                 </a:path>
@@ -5851,213 +6026,213 @@
           </p:nvSpPr>
           <p:spPr>
             <a:xfrm>
-              <a:off x="3217446" y="1976069"/>
-              <a:ext cx="1321872" cy="1984809"/>
+              <a:off x="3294433" y="1938012"/>
+              <a:ext cx="1244885" cy="1869212"/>
             </a:xfrm>
             <a:custGeom>
               <a:avLst/>
               <a:pathLst>
-                <a:path w="1321872" h="1984809">
+                <a:path w="1244885" h="1869212">
                   <a:moveTo>
-                    <a:pt x="1321872" y="1984809"/>
+                    <a:pt x="1244885" y="1869212"/>
                   </a:moveTo>
                   <a:lnTo>
-                    <a:pt x="1297123" y="1916367"/>
-                  </a:lnTo>
-                  <a:lnTo>
-                    <a:pt x="1272374" y="1847926"/>
-                  </a:lnTo>
-                  <a:lnTo>
-                    <a:pt x="1247625" y="1779484"/>
-                  </a:lnTo>
-                  <a:lnTo>
-                    <a:pt x="1222876" y="1711042"/>
-                  </a:lnTo>
-                  <a:lnTo>
-                    <a:pt x="1198126" y="1642601"/>
-                  </a:lnTo>
-                  <a:lnTo>
-                    <a:pt x="1173377" y="1574159"/>
-                  </a:lnTo>
-                  <a:lnTo>
-                    <a:pt x="1148628" y="1505717"/>
-                  </a:lnTo>
-                  <a:lnTo>
-                    <a:pt x="1123879" y="1437275"/>
-                  </a:lnTo>
-                  <a:lnTo>
-                    <a:pt x="1099130" y="1368834"/>
-                  </a:lnTo>
-                  <a:lnTo>
-                    <a:pt x="1074381" y="1300392"/>
-                  </a:lnTo>
-                  <a:lnTo>
-                    <a:pt x="1049632" y="1231950"/>
-                  </a:lnTo>
-                  <a:lnTo>
-                    <a:pt x="1024883" y="1163509"/>
-                  </a:lnTo>
-                  <a:lnTo>
-                    <a:pt x="1000134" y="1095067"/>
-                  </a:lnTo>
-                  <a:lnTo>
-                    <a:pt x="975385" y="1026625"/>
-                  </a:lnTo>
-                  <a:lnTo>
-                    <a:pt x="950636" y="958183"/>
-                  </a:lnTo>
-                  <a:lnTo>
-                    <a:pt x="925887" y="889742"/>
-                  </a:lnTo>
-                  <a:lnTo>
-                    <a:pt x="901138" y="821300"/>
-                  </a:lnTo>
-                  <a:lnTo>
-                    <a:pt x="876389" y="752858"/>
-                  </a:lnTo>
-                  <a:lnTo>
-                    <a:pt x="851640" y="684417"/>
-                  </a:lnTo>
-                  <a:lnTo>
-                    <a:pt x="826891" y="615975"/>
-                  </a:lnTo>
-                  <a:lnTo>
-                    <a:pt x="802142" y="547533"/>
-                  </a:lnTo>
-                  <a:lnTo>
-                    <a:pt x="777393" y="479091"/>
-                  </a:lnTo>
-                  <a:lnTo>
-                    <a:pt x="752644" y="410650"/>
-                  </a:lnTo>
-                  <a:lnTo>
-                    <a:pt x="727895" y="342208"/>
-                  </a:lnTo>
-                  <a:lnTo>
-                    <a:pt x="703146" y="273766"/>
-                  </a:lnTo>
-                  <a:lnTo>
-                    <a:pt x="678397" y="205325"/>
-                  </a:lnTo>
-                  <a:lnTo>
-                    <a:pt x="653648" y="136883"/>
-                  </a:lnTo>
-                  <a:lnTo>
-                    <a:pt x="628899" y="68441"/>
-                  </a:lnTo>
-                  <a:lnTo>
-                    <a:pt x="604150" y="0"/>
-                  </a:lnTo>
-                  <a:lnTo>
-                    <a:pt x="531910" y="27629"/>
-                  </a:lnTo>
-                  <a:lnTo>
-                    <a:pt x="460731" y="57886"/>
-                  </a:lnTo>
-                  <a:lnTo>
-                    <a:pt x="390709" y="90732"/>
-                  </a:lnTo>
-                  <a:lnTo>
-                    <a:pt x="321937" y="126120"/>
-                  </a:lnTo>
-                  <a:lnTo>
-                    <a:pt x="254507" y="164005"/>
-                  </a:lnTo>
-                  <a:lnTo>
-                    <a:pt x="188511" y="204335"/>
-                  </a:lnTo>
-                  <a:lnTo>
-                    <a:pt x="124037" y="247056"/>
-                  </a:lnTo>
-                  <a:lnTo>
-                    <a:pt x="61172" y="292110"/>
-                  </a:lnTo>
-                  <a:lnTo>
-                    <a:pt x="0" y="339437"/>
-                  </a:lnTo>
-                  <a:lnTo>
-                    <a:pt x="45581" y="396174"/>
-                  </a:lnTo>
-                  <a:lnTo>
-                    <a:pt x="91163" y="452911"/>
-                  </a:lnTo>
-                  <a:lnTo>
-                    <a:pt x="136745" y="509648"/>
-                  </a:lnTo>
-                  <a:lnTo>
-                    <a:pt x="182327" y="566385"/>
-                  </a:lnTo>
-                  <a:lnTo>
-                    <a:pt x="227908" y="623122"/>
-                  </a:lnTo>
-                  <a:lnTo>
-                    <a:pt x="273490" y="679859"/>
-                  </a:lnTo>
-                  <a:lnTo>
-                    <a:pt x="319072" y="736596"/>
-                  </a:lnTo>
-                  <a:lnTo>
-                    <a:pt x="364654" y="793333"/>
-                  </a:lnTo>
-                  <a:lnTo>
-                    <a:pt x="410236" y="850070"/>
-                  </a:lnTo>
-                  <a:lnTo>
-                    <a:pt x="455817" y="906807"/>
-                  </a:lnTo>
-                  <a:lnTo>
-                    <a:pt x="501399" y="963544"/>
-                  </a:lnTo>
-                  <a:lnTo>
-                    <a:pt x="546981" y="1020281"/>
-                  </a:lnTo>
-                  <a:lnTo>
-                    <a:pt x="592563" y="1077018"/>
-                  </a:lnTo>
-                  <a:lnTo>
-                    <a:pt x="638145" y="1133755"/>
-                  </a:lnTo>
-                  <a:lnTo>
-                    <a:pt x="683726" y="1190492"/>
-                  </a:lnTo>
-                  <a:lnTo>
-                    <a:pt x="729308" y="1247229"/>
-                  </a:lnTo>
-                  <a:lnTo>
-                    <a:pt x="774890" y="1303966"/>
-                  </a:lnTo>
-                  <a:lnTo>
-                    <a:pt x="820472" y="1360703"/>
-                  </a:lnTo>
-                  <a:lnTo>
-                    <a:pt x="866054" y="1417440"/>
-                  </a:lnTo>
-                  <a:lnTo>
-                    <a:pt x="911635" y="1474177"/>
-                  </a:lnTo>
-                  <a:lnTo>
-                    <a:pt x="957217" y="1530914"/>
-                  </a:lnTo>
-                  <a:lnTo>
-                    <a:pt x="1002799" y="1587650"/>
-                  </a:lnTo>
-                  <a:lnTo>
-                    <a:pt x="1048381" y="1644387"/>
-                  </a:lnTo>
-                  <a:lnTo>
-                    <a:pt x="1093963" y="1701124"/>
-                  </a:lnTo>
-                  <a:lnTo>
-                    <a:pt x="1139544" y="1757861"/>
-                  </a:lnTo>
-                  <a:lnTo>
-                    <a:pt x="1185126" y="1814598"/>
-                  </a:lnTo>
-                  <a:lnTo>
-                    <a:pt x="1230708" y="1871335"/>
-                  </a:lnTo>
-                  <a:lnTo>
-                    <a:pt x="1276290" y="1928072"/>
+                    <a:pt x="1221577" y="1804756"/>
+                  </a:lnTo>
+                  <a:lnTo>
+                    <a:pt x="1198269" y="1740301"/>
+                  </a:lnTo>
+                  <a:lnTo>
+                    <a:pt x="1174962" y="1675845"/>
+                  </a:lnTo>
+                  <a:lnTo>
+                    <a:pt x="1151654" y="1611390"/>
+                  </a:lnTo>
+                  <a:lnTo>
+                    <a:pt x="1128346" y="1546934"/>
+                  </a:lnTo>
+                  <a:lnTo>
+                    <a:pt x="1105039" y="1482478"/>
+                  </a:lnTo>
+                  <a:lnTo>
+                    <a:pt x="1081731" y="1418023"/>
+                  </a:lnTo>
+                  <a:lnTo>
+                    <a:pt x="1058424" y="1353567"/>
+                  </a:lnTo>
+                  <a:lnTo>
+                    <a:pt x="1035116" y="1289112"/>
+                  </a:lnTo>
+                  <a:lnTo>
+                    <a:pt x="1011808" y="1224656"/>
+                  </a:lnTo>
+                  <a:lnTo>
+                    <a:pt x="988501" y="1160200"/>
+                  </a:lnTo>
+                  <a:lnTo>
+                    <a:pt x="965193" y="1095745"/>
+                  </a:lnTo>
+                  <a:lnTo>
+                    <a:pt x="941885" y="1031289"/>
+                  </a:lnTo>
+                  <a:lnTo>
+                    <a:pt x="918578" y="966834"/>
+                  </a:lnTo>
+                  <a:lnTo>
+                    <a:pt x="895270" y="902378"/>
+                  </a:lnTo>
+                  <a:lnTo>
+                    <a:pt x="871963" y="837922"/>
+                  </a:lnTo>
+                  <a:lnTo>
+                    <a:pt x="848655" y="773467"/>
+                  </a:lnTo>
+                  <a:lnTo>
+                    <a:pt x="825347" y="709011"/>
+                  </a:lnTo>
+                  <a:lnTo>
+                    <a:pt x="802040" y="644556"/>
+                  </a:lnTo>
+                  <a:lnTo>
+                    <a:pt x="778732" y="580100"/>
+                  </a:lnTo>
+                  <a:lnTo>
+                    <a:pt x="755424" y="515644"/>
+                  </a:lnTo>
+                  <a:lnTo>
+                    <a:pt x="732117" y="451189"/>
+                  </a:lnTo>
+                  <a:lnTo>
+                    <a:pt x="708809" y="386733"/>
+                  </a:lnTo>
+                  <a:lnTo>
+                    <a:pt x="685501" y="322278"/>
+                  </a:lnTo>
+                  <a:lnTo>
+                    <a:pt x="662194" y="257822"/>
+                  </a:lnTo>
+                  <a:lnTo>
+                    <a:pt x="638886" y="193366"/>
+                  </a:lnTo>
+                  <a:lnTo>
+                    <a:pt x="615579" y="128911"/>
+                  </a:lnTo>
+                  <a:lnTo>
+                    <a:pt x="592271" y="64455"/>
+                  </a:lnTo>
+                  <a:lnTo>
+                    <a:pt x="568963" y="0"/>
+                  </a:lnTo>
+                  <a:lnTo>
+                    <a:pt x="500931" y="26020"/>
+                  </a:lnTo>
+                  <a:lnTo>
+                    <a:pt x="433898" y="54515"/>
+                  </a:lnTo>
+                  <a:lnTo>
+                    <a:pt x="367953" y="85447"/>
+                  </a:lnTo>
+                  <a:lnTo>
+                    <a:pt x="303187" y="118775"/>
+                  </a:lnTo>
+                  <a:lnTo>
+                    <a:pt x="239684" y="154453"/>
+                  </a:lnTo>
+                  <a:lnTo>
+                    <a:pt x="177532" y="192434"/>
+                  </a:lnTo>
+                  <a:lnTo>
+                    <a:pt x="116813" y="232667"/>
+                  </a:lnTo>
+                  <a:lnTo>
+                    <a:pt x="57609" y="275097"/>
+                  </a:lnTo>
+                  <a:lnTo>
+                    <a:pt x="0" y="319668"/>
+                  </a:lnTo>
+                  <a:lnTo>
+                    <a:pt x="42927" y="373101"/>
+                  </a:lnTo>
+                  <a:lnTo>
+                    <a:pt x="85854" y="426533"/>
+                  </a:lnTo>
+                  <a:lnTo>
+                    <a:pt x="128781" y="479966"/>
+                  </a:lnTo>
+                  <a:lnTo>
+                    <a:pt x="171708" y="533398"/>
+                  </a:lnTo>
+                  <a:lnTo>
+                    <a:pt x="214635" y="586831"/>
+                  </a:lnTo>
+                  <a:lnTo>
+                    <a:pt x="257562" y="640263"/>
+                  </a:lnTo>
+                  <a:lnTo>
+                    <a:pt x="300489" y="693696"/>
+                  </a:lnTo>
+                  <a:lnTo>
+                    <a:pt x="343416" y="747129"/>
+                  </a:lnTo>
+                  <a:lnTo>
+                    <a:pt x="386343" y="800561"/>
+                  </a:lnTo>
+                  <a:lnTo>
+                    <a:pt x="429270" y="853994"/>
+                  </a:lnTo>
+                  <a:lnTo>
+                    <a:pt x="472197" y="907426"/>
+                  </a:lnTo>
+                  <a:lnTo>
+                    <a:pt x="515124" y="960859"/>
+                  </a:lnTo>
+                  <a:lnTo>
+                    <a:pt x="558051" y="1014291"/>
+                  </a:lnTo>
+                  <a:lnTo>
+                    <a:pt x="600979" y="1067724"/>
+                  </a:lnTo>
+                  <a:lnTo>
+                    <a:pt x="643906" y="1121156"/>
+                  </a:lnTo>
+                  <a:lnTo>
+                    <a:pt x="686833" y="1174589"/>
+                  </a:lnTo>
+                  <a:lnTo>
+                    <a:pt x="729760" y="1228022"/>
+                  </a:lnTo>
+                  <a:lnTo>
+                    <a:pt x="772687" y="1281454"/>
+                  </a:lnTo>
+                  <a:lnTo>
+                    <a:pt x="815614" y="1334887"/>
+                  </a:lnTo>
+                  <a:lnTo>
+                    <a:pt x="858541" y="1388319"/>
+                  </a:lnTo>
+                  <a:lnTo>
+                    <a:pt x="901468" y="1441752"/>
+                  </a:lnTo>
+                  <a:lnTo>
+                    <a:pt x="944395" y="1495184"/>
+                  </a:lnTo>
+                  <a:lnTo>
+                    <a:pt x="987322" y="1548617"/>
+                  </a:lnTo>
+                  <a:lnTo>
+                    <a:pt x="1030249" y="1602049"/>
+                  </a:lnTo>
+                  <a:lnTo>
+                    <a:pt x="1073176" y="1655482"/>
+                  </a:lnTo>
+                  <a:lnTo>
+                    <a:pt x="1116103" y="1708914"/>
+                  </a:lnTo>
+                  <a:lnTo>
+                    <a:pt x="1159030" y="1762347"/>
+                  </a:lnTo>
+                  <a:lnTo>
+                    <a:pt x="1201958" y="1815780"/>
                   </a:lnTo>
                   <a:close/>
                 </a:path>
@@ -6092,216 +6267,216 @@
           </p:nvSpPr>
           <p:spPr>
             <a:xfrm>
-              <a:off x="3821596" y="1850287"/>
-              <a:ext cx="717722" cy="2110591"/>
+              <a:off x="3863397" y="1819557"/>
+              <a:ext cx="675921" cy="1987668"/>
             </a:xfrm>
             <a:custGeom>
               <a:avLst/>
               <a:pathLst>
-                <a:path w="717722" h="2110591">
+                <a:path w="675921" h="1987668">
                   <a:moveTo>
-                    <a:pt x="717722" y="2110591"/>
+                    <a:pt x="675921" y="1987668"/>
                   </a:moveTo>
                   <a:lnTo>
-                    <a:pt x="717722" y="2037812"/>
-                  </a:lnTo>
-                  <a:lnTo>
-                    <a:pt x="717722" y="1965033"/>
-                  </a:lnTo>
-                  <a:lnTo>
-                    <a:pt x="717722" y="1892254"/>
-                  </a:lnTo>
-                  <a:lnTo>
-                    <a:pt x="717722" y="1819475"/>
-                  </a:lnTo>
-                  <a:lnTo>
-                    <a:pt x="717722" y="1746696"/>
-                  </a:lnTo>
-                  <a:lnTo>
-                    <a:pt x="717722" y="1673917"/>
-                  </a:lnTo>
-                  <a:lnTo>
-                    <a:pt x="717722" y="1601138"/>
-                  </a:lnTo>
-                  <a:lnTo>
-                    <a:pt x="717722" y="1528359"/>
-                  </a:lnTo>
-                  <a:lnTo>
-                    <a:pt x="717722" y="1455580"/>
-                  </a:lnTo>
-                  <a:lnTo>
-                    <a:pt x="717722" y="1382801"/>
-                  </a:lnTo>
-                  <a:lnTo>
-                    <a:pt x="717722" y="1310022"/>
-                  </a:lnTo>
-                  <a:lnTo>
-                    <a:pt x="717722" y="1237243"/>
-                  </a:lnTo>
-                  <a:lnTo>
-                    <a:pt x="717722" y="1164464"/>
-                  </a:lnTo>
-                  <a:lnTo>
-                    <a:pt x="717722" y="1091685"/>
-                  </a:lnTo>
-                  <a:lnTo>
-                    <a:pt x="717722" y="1018906"/>
-                  </a:lnTo>
-                  <a:lnTo>
-                    <a:pt x="717722" y="946127"/>
-                  </a:lnTo>
-                  <a:lnTo>
-                    <a:pt x="717722" y="873348"/>
-                  </a:lnTo>
-                  <a:lnTo>
-                    <a:pt x="717722" y="800569"/>
-                  </a:lnTo>
-                  <a:lnTo>
-                    <a:pt x="717722" y="727790"/>
-                  </a:lnTo>
-                  <a:lnTo>
-                    <a:pt x="717722" y="655011"/>
-                  </a:lnTo>
-                  <a:lnTo>
-                    <a:pt x="717722" y="582232"/>
-                  </a:lnTo>
-                  <a:lnTo>
-                    <a:pt x="717722" y="509453"/>
-                  </a:lnTo>
-                  <a:lnTo>
-                    <a:pt x="717722" y="436674"/>
-                  </a:lnTo>
-                  <a:lnTo>
-                    <a:pt x="717722" y="363895"/>
-                  </a:lnTo>
-                  <a:lnTo>
-                    <a:pt x="717722" y="291116"/>
-                  </a:lnTo>
-                  <a:lnTo>
-                    <a:pt x="717722" y="218337"/>
-                  </a:lnTo>
-                  <a:lnTo>
-                    <a:pt x="717722" y="145558"/>
-                  </a:lnTo>
-                  <a:lnTo>
-                    <a:pt x="717722" y="72779"/>
-                  </a:lnTo>
-                  <a:lnTo>
-                    <a:pt x="717722" y="0"/>
-                  </a:lnTo>
-                  <a:lnTo>
-                    <a:pt x="644503" y="1270"/>
-                  </a:lnTo>
-                  <a:lnTo>
-                    <a:pt x="571373" y="5079"/>
-                  </a:lnTo>
-                  <a:lnTo>
-                    <a:pt x="498420" y="11424"/>
-                  </a:lnTo>
-                  <a:lnTo>
-                    <a:pt x="425730" y="20295"/>
-                  </a:lnTo>
-                  <a:lnTo>
-                    <a:pt x="353391" y="31683"/>
-                  </a:lnTo>
-                  <a:lnTo>
-                    <a:pt x="281492" y="45573"/>
-                  </a:lnTo>
-                  <a:lnTo>
-                    <a:pt x="210117" y="61949"/>
-                  </a:lnTo>
-                  <a:lnTo>
-                    <a:pt x="139353" y="80791"/>
-                  </a:lnTo>
-                  <a:lnTo>
-                    <a:pt x="69286" y="102077"/>
-                  </a:lnTo>
-                  <a:lnTo>
-                    <a:pt x="0" y="125781"/>
-                  </a:lnTo>
-                  <a:lnTo>
-                    <a:pt x="24749" y="194223"/>
-                  </a:lnTo>
-                  <a:lnTo>
-                    <a:pt x="49498" y="262664"/>
-                  </a:lnTo>
-                  <a:lnTo>
-                    <a:pt x="74247" y="331106"/>
-                  </a:lnTo>
-                  <a:lnTo>
-                    <a:pt x="98996" y="399548"/>
-                  </a:lnTo>
-                  <a:lnTo>
-                    <a:pt x="123745" y="467989"/>
-                  </a:lnTo>
-                  <a:lnTo>
-                    <a:pt x="148494" y="536431"/>
-                  </a:lnTo>
-                  <a:lnTo>
-                    <a:pt x="173243" y="604873"/>
-                  </a:lnTo>
-                  <a:lnTo>
-                    <a:pt x="197992" y="673315"/>
-                  </a:lnTo>
-                  <a:lnTo>
-                    <a:pt x="222741" y="741756"/>
-                  </a:lnTo>
-                  <a:lnTo>
-                    <a:pt x="247490" y="810198"/>
-                  </a:lnTo>
-                  <a:lnTo>
-                    <a:pt x="272239" y="878640"/>
-                  </a:lnTo>
-                  <a:lnTo>
-                    <a:pt x="296988" y="947081"/>
-                  </a:lnTo>
-                  <a:lnTo>
-                    <a:pt x="321737" y="1015523"/>
-                  </a:lnTo>
-                  <a:lnTo>
-                    <a:pt x="346486" y="1083965"/>
-                  </a:lnTo>
-                  <a:lnTo>
-                    <a:pt x="371235" y="1152407"/>
-                  </a:lnTo>
-                  <a:lnTo>
-                    <a:pt x="395984" y="1220848"/>
-                  </a:lnTo>
-                  <a:lnTo>
-                    <a:pt x="420733" y="1289290"/>
-                  </a:lnTo>
-                  <a:lnTo>
-                    <a:pt x="445482" y="1357732"/>
-                  </a:lnTo>
-                  <a:lnTo>
-                    <a:pt x="470231" y="1426173"/>
-                  </a:lnTo>
-                  <a:lnTo>
-                    <a:pt x="494980" y="1494615"/>
-                  </a:lnTo>
-                  <a:lnTo>
-                    <a:pt x="519729" y="1563057"/>
-                  </a:lnTo>
-                  <a:lnTo>
-                    <a:pt x="544478" y="1631499"/>
-                  </a:lnTo>
-                  <a:lnTo>
-                    <a:pt x="569227" y="1699940"/>
-                  </a:lnTo>
-                  <a:lnTo>
-                    <a:pt x="593976" y="1768382"/>
-                  </a:lnTo>
-                  <a:lnTo>
-                    <a:pt x="618725" y="1836824"/>
-                  </a:lnTo>
-                  <a:lnTo>
-                    <a:pt x="643474" y="1905265"/>
-                  </a:lnTo>
-                  <a:lnTo>
-                    <a:pt x="668224" y="1973707"/>
-                  </a:lnTo>
-                  <a:lnTo>
-                    <a:pt x="692973" y="2042149"/>
+                    <a:pt x="675921" y="1919128"/>
+                  </a:lnTo>
+                  <a:lnTo>
+                    <a:pt x="675921" y="1850587"/>
+                  </a:lnTo>
+                  <a:lnTo>
+                    <a:pt x="675921" y="1782047"/>
+                  </a:lnTo>
+                  <a:lnTo>
+                    <a:pt x="675921" y="1713507"/>
+                  </a:lnTo>
+                  <a:lnTo>
+                    <a:pt x="675921" y="1644966"/>
+                  </a:lnTo>
+                  <a:lnTo>
+                    <a:pt x="675921" y="1576426"/>
+                  </a:lnTo>
+                  <a:lnTo>
+                    <a:pt x="675921" y="1507886"/>
+                  </a:lnTo>
+                  <a:lnTo>
+                    <a:pt x="675921" y="1439346"/>
+                  </a:lnTo>
+                  <a:lnTo>
+                    <a:pt x="675921" y="1370805"/>
+                  </a:lnTo>
+                  <a:lnTo>
+                    <a:pt x="675921" y="1302265"/>
+                  </a:lnTo>
+                  <a:lnTo>
+                    <a:pt x="675921" y="1233725"/>
+                  </a:lnTo>
+                  <a:lnTo>
+                    <a:pt x="675921" y="1165184"/>
+                  </a:lnTo>
+                  <a:lnTo>
+                    <a:pt x="675921" y="1096644"/>
+                  </a:lnTo>
+                  <a:lnTo>
+                    <a:pt x="675921" y="1028104"/>
+                  </a:lnTo>
+                  <a:lnTo>
+                    <a:pt x="675921" y="959564"/>
+                  </a:lnTo>
+                  <a:lnTo>
+                    <a:pt x="675921" y="891023"/>
+                  </a:lnTo>
+                  <a:lnTo>
+                    <a:pt x="675921" y="822483"/>
+                  </a:lnTo>
+                  <a:lnTo>
+                    <a:pt x="675921" y="753943"/>
+                  </a:lnTo>
+                  <a:lnTo>
+                    <a:pt x="675921" y="685402"/>
+                  </a:lnTo>
+                  <a:lnTo>
+                    <a:pt x="675921" y="616862"/>
+                  </a:lnTo>
+                  <a:lnTo>
+                    <a:pt x="675921" y="548322"/>
+                  </a:lnTo>
+                  <a:lnTo>
+                    <a:pt x="675921" y="479782"/>
+                  </a:lnTo>
+                  <a:lnTo>
+                    <a:pt x="675921" y="411241"/>
+                  </a:lnTo>
+                  <a:lnTo>
+                    <a:pt x="675921" y="342701"/>
+                  </a:lnTo>
+                  <a:lnTo>
+                    <a:pt x="675921" y="274161"/>
+                  </a:lnTo>
+                  <a:lnTo>
+                    <a:pt x="675921" y="205620"/>
+                  </a:lnTo>
+                  <a:lnTo>
+                    <a:pt x="675921" y="137080"/>
+                  </a:lnTo>
+                  <a:lnTo>
+                    <a:pt x="675921" y="68540"/>
+                  </a:lnTo>
+                  <a:lnTo>
+                    <a:pt x="675921" y="0"/>
+                  </a:lnTo>
+                  <a:lnTo>
+                    <a:pt x="606967" y="1196"/>
+                  </a:lnTo>
+                  <a:lnTo>
+                    <a:pt x="538096" y="4784"/>
+                  </a:lnTo>
+                  <a:lnTo>
+                    <a:pt x="469391" y="10758"/>
+                  </a:lnTo>
+                  <a:lnTo>
+                    <a:pt x="400935" y="19113"/>
+                  </a:lnTo>
+                  <a:lnTo>
+                    <a:pt x="332810" y="29837"/>
+                  </a:lnTo>
+                  <a:lnTo>
+                    <a:pt x="265097" y="42919"/>
+                  </a:lnTo>
+                  <a:lnTo>
+                    <a:pt x="197880" y="58341"/>
+                  </a:lnTo>
+                  <a:lnTo>
+                    <a:pt x="131237" y="76086"/>
+                  </a:lnTo>
+                  <a:lnTo>
+                    <a:pt x="65251" y="96132"/>
+                  </a:lnTo>
+                  <a:lnTo>
+                    <a:pt x="0" y="118455"/>
+                  </a:lnTo>
+                  <a:lnTo>
+                    <a:pt x="23307" y="182911"/>
+                  </a:lnTo>
+                  <a:lnTo>
+                    <a:pt x="46615" y="247366"/>
+                  </a:lnTo>
+                  <a:lnTo>
+                    <a:pt x="69922" y="311822"/>
+                  </a:lnTo>
+                  <a:lnTo>
+                    <a:pt x="93230" y="376278"/>
+                  </a:lnTo>
+                  <a:lnTo>
+                    <a:pt x="116538" y="440733"/>
+                  </a:lnTo>
+                  <a:lnTo>
+                    <a:pt x="139845" y="505189"/>
+                  </a:lnTo>
+                  <a:lnTo>
+                    <a:pt x="163153" y="569644"/>
+                  </a:lnTo>
+                  <a:lnTo>
+                    <a:pt x="186461" y="634100"/>
+                  </a:lnTo>
+                  <a:lnTo>
+                    <a:pt x="209768" y="698556"/>
+                  </a:lnTo>
+                  <a:lnTo>
+                    <a:pt x="233076" y="763011"/>
+                  </a:lnTo>
+                  <a:lnTo>
+                    <a:pt x="256383" y="827467"/>
+                  </a:lnTo>
+                  <a:lnTo>
+                    <a:pt x="279691" y="891922"/>
+                  </a:lnTo>
+                  <a:lnTo>
+                    <a:pt x="302999" y="956378"/>
+                  </a:lnTo>
+                  <a:lnTo>
+                    <a:pt x="326306" y="1020834"/>
+                  </a:lnTo>
+                  <a:lnTo>
+                    <a:pt x="349614" y="1085289"/>
+                  </a:lnTo>
+                  <a:lnTo>
+                    <a:pt x="372922" y="1149745"/>
+                  </a:lnTo>
+                  <a:lnTo>
+                    <a:pt x="396229" y="1214201"/>
+                  </a:lnTo>
+                  <a:lnTo>
+                    <a:pt x="419537" y="1278656"/>
+                  </a:lnTo>
+                  <a:lnTo>
+                    <a:pt x="442844" y="1343112"/>
+                  </a:lnTo>
+                  <a:lnTo>
+                    <a:pt x="466152" y="1407567"/>
+                  </a:lnTo>
+                  <a:lnTo>
+                    <a:pt x="489460" y="1472023"/>
+                  </a:lnTo>
+                  <a:lnTo>
+                    <a:pt x="512767" y="1536479"/>
+                  </a:lnTo>
+                  <a:lnTo>
+                    <a:pt x="536075" y="1600934"/>
+                  </a:lnTo>
+                  <a:lnTo>
+                    <a:pt x="559383" y="1665390"/>
+                  </a:lnTo>
+                  <a:lnTo>
+                    <a:pt x="582690" y="1729845"/>
+                  </a:lnTo>
+                  <a:lnTo>
+                    <a:pt x="605998" y="1794301"/>
+                  </a:lnTo>
+                  <a:lnTo>
+                    <a:pt x="629306" y="1858757"/>
+                  </a:lnTo>
+                  <a:lnTo>
+                    <a:pt x="652613" y="1923212"/>
                   </a:lnTo>
                   <a:close/>
                 </a:path>
@@ -6336,7 +6511,7 @@
           </p:nvSpPr>
           <p:spPr>
             <a:xfrm>
-              <a:off x="4471647" y="3303072"/>
+              <a:off x="4464296" y="3182763"/>
               <a:ext cx="387771" cy="167096"/>
             </a:xfrm>
             <a:prstGeom prst="rect">
@@ -6382,7 +6557,7 @@
           </p:nvSpPr>
           <p:spPr>
             <a:xfrm>
-              <a:off x="4682293" y="3444641"/>
+              <a:off x="4649906" y="3316087"/>
               <a:ext cx="826219" cy="167096"/>
             </a:xfrm>
             <a:prstGeom prst="rect">
@@ -6428,7 +6603,7 @@
           </p:nvSpPr>
           <p:spPr>
             <a:xfrm>
-              <a:off x="4793186" y="4353962"/>
+              <a:off x="4754340" y="4172448"/>
               <a:ext cx="826219" cy="167096"/>
             </a:xfrm>
             <a:prstGeom prst="rect">
@@ -6474,7 +6649,7 @@
           </p:nvSpPr>
           <p:spPr>
             <a:xfrm>
-              <a:off x="3648236" y="4682732"/>
+              <a:off x="3676073" y="4482070"/>
               <a:ext cx="826219" cy="167096"/>
             </a:xfrm>
             <a:prstGeom prst="rect">
@@ -6520,7 +6695,7 @@
           </p:nvSpPr>
           <p:spPr>
             <a:xfrm>
-              <a:off x="3070924" y="3870772"/>
+              <a:off x="3132385" y="3717400"/>
               <a:ext cx="826219" cy="167096"/>
             </a:xfrm>
             <a:prstGeom prst="rect">
@@ -6566,7 +6741,7 @@
           </p:nvSpPr>
           <p:spPr>
             <a:xfrm>
-              <a:off x="3178745" y="3184812"/>
+              <a:off x="3233926" y="3071391"/>
               <a:ext cx="826219" cy="167096"/>
             </a:xfrm>
             <a:prstGeom prst="rect">
@@ -6612,7 +6787,7 @@
           </p:nvSpPr>
           <p:spPr>
             <a:xfrm>
-              <a:off x="3494428" y="2751121"/>
+              <a:off x="3531223" y="2662959"/>
               <a:ext cx="826219" cy="167096"/>
             </a:xfrm>
             <a:prstGeom prst="rect">
@@ -6658,7 +6833,7 @@
           </p:nvSpPr>
           <p:spPr>
             <a:xfrm>
-              <a:off x="3985120" y="2373745"/>
+              <a:off x="3999266" y="2300810"/>
               <a:ext cx="622622" cy="166427"/>
             </a:xfrm>
             <a:prstGeom prst="rect">
@@ -6704,7 +6879,7 @@
           </p:nvSpPr>
           <p:spPr>
             <a:xfrm>
-              <a:off x="4169295" y="2606247"/>
+              <a:off x="4183441" y="2533312"/>
               <a:ext cx="254272" cy="167096"/>
             </a:xfrm>
             <a:prstGeom prst="rect">
@@ -6750,7 +6925,7 @@
           </p:nvSpPr>
           <p:spPr>
             <a:xfrm>
-              <a:off x="4374119" y="1495827"/>
+              <a:off x="4374119" y="1480462"/>
               <a:ext cx="330398" cy="172454"/>
             </a:xfrm>
             <a:prstGeom prst="rect">
@@ -6796,7 +6971,7 @@
           </p:nvSpPr>
           <p:spPr>
             <a:xfrm>
-              <a:off x="5706197" y="1949300"/>
+              <a:off x="5624913" y="1907524"/>
               <a:ext cx="457534" cy="172454"/>
             </a:xfrm>
             <a:prstGeom prst="rect">
@@ -6842,7 +7017,7 @@
           </p:nvSpPr>
           <p:spPr>
             <a:xfrm>
-              <a:off x="6315336" y="2597967"/>
+              <a:off x="6198575" y="2518412"/>
               <a:ext cx="457534" cy="172454"/>
             </a:xfrm>
             <a:prstGeom prst="rect">
@@ -6888,7 +7063,7 @@
           </p:nvSpPr>
           <p:spPr>
             <a:xfrm>
-              <a:off x="6642908" y="3425321"/>
+              <a:off x="6507070" y="3297580"/>
               <a:ext cx="457534" cy="172454"/>
             </a:xfrm>
             <a:prstGeom prst="rect">
@@ -6934,7 +7109,7 @@
           </p:nvSpPr>
           <p:spPr>
             <a:xfrm>
-              <a:off x="6610369" y="4460735"/>
+              <a:off x="6476426" y="4272691"/>
               <a:ext cx="457534" cy="172454"/>
             </a:xfrm>
             <a:prstGeom prst="rect">
@@ -6980,7 +7155,7 @@
           </p:nvSpPr>
           <p:spPr>
             <a:xfrm>
-              <a:off x="5935950" y="5601116"/>
+              <a:off x="5841285" y="5346655"/>
               <a:ext cx="457534" cy="172454"/>
             </a:xfrm>
             <a:prstGeom prst="rect">
@@ -7026,7 +7201,7 @@
           </p:nvSpPr>
           <p:spPr>
             <a:xfrm>
-              <a:off x="4608144" y="6225934"/>
+              <a:off x="4590812" y="5935083"/>
               <a:ext cx="457534" cy="172454"/>
             </a:xfrm>
             <a:prstGeom prst="rect">
@@ -7072,7 +7247,7 @@
           </p:nvSpPr>
           <p:spPr>
             <a:xfrm>
-              <a:off x="2914905" y="5791184"/>
+              <a:off x="2996188" y="5525653"/>
               <a:ext cx="457534" cy="172454"/>
             </a:xfrm>
             <a:prstGeom prst="rect">
@@ -7118,7 +7293,7 @@
           </p:nvSpPr>
           <p:spPr>
             <a:xfrm>
-              <a:off x="1978193" y="4315163"/>
+              <a:off x="2114032" y="4135597"/>
               <a:ext cx="457534" cy="172454"/>
             </a:xfrm>
             <a:prstGeom prst="rect">
@@ -7164,7 +7339,7 @@
           </p:nvSpPr>
           <p:spPr>
             <a:xfrm>
-              <a:off x="2162116" y="2859265"/>
+              <a:off x="2287243" y="2764492"/>
               <a:ext cx="457534" cy="172454"/>
             </a:xfrm>
             <a:prstGeom prst="rect">
@@ -7210,7 +7385,7 @@
           </p:nvSpPr>
           <p:spPr>
             <a:xfrm>
-              <a:off x="2685152" y="2139368"/>
+              <a:off x="2779817" y="2086522"/>
               <a:ext cx="457534" cy="172454"/>
             </a:xfrm>
             <a:prstGeom prst="rect">
@@ -7244,6 +7419,52 @@
                   <a:cs typeface="Arial"/>
                 </a:rPr>
                 <a:t>88%</a:t>
+              </a:r>
+            </a:p>
+          </p:txBody>
+        </p:sp>
+        <p:sp>
+          <p:nvSpPr>
+            <p:cNvPr id="36" name="tx34"/>
+            <p:cNvSpPr/>
+            <p:nvPr/>
+          </p:nvSpPr>
+          <p:spPr>
+            <a:xfrm>
+              <a:off x="1997796" y="6605431"/>
+              <a:ext cx="2094457" cy="117580"/>
+            </a:xfrm>
+            <a:prstGeom prst="rect">
+              <a:avLst/>
+            </a:prstGeom>
+            <a:noFill/>
+          </p:spPr>
+          <p:txBody>
+            <a:bodyPr lIns="0" rIns="0" tIns="0" bIns="0" anchorCtr="1" anchor="ctr" wrap="none"/>
+            <a:lstStyle/>
+            <a:p>
+              <a:pPr algn="l" marL="0" marR="0" indent="0">
+                <a:lnSpc>
+                  <a:spcPts val="999"/>
+                </a:lnSpc>
+                <a:spcBef>
+                  <a:spcPts val="0"/>
+                </a:spcBef>
+                <a:spcAft>
+                  <a:spcPts val="0"/>
+                </a:spcAft>
+              </a:pPr>
+              <a:r>
+                <a:rPr sz="999" i="1">
+                  <a:solidFill>
+                    <a:srgbClr val="000000">
+                      <a:alpha val="100000"/>
+                    </a:srgbClr>
+                  </a:solidFill>
+                  <a:latin typeface="Arial"/>
+                  <a:cs typeface="Arial"/>
+                </a:rPr>
+                <a:t>Source: ATO 2017-18 2% sample file</a:t>
               </a:r>
             </a:p>
           </p:txBody>
